--- a/授業資料/講義資料：クラス.pptx
+++ b/授業資料/講義資料：クラス.pptx
@@ -17,11 +17,17 @@
     <p:sldId id="274" r:id="rId11"/>
     <p:sldId id="275" r:id="rId12"/>
     <p:sldId id="276" r:id="rId13"/>
-    <p:sldId id="279" r:id="rId14"/>
-    <p:sldId id="280" r:id="rId15"/>
-    <p:sldId id="281" r:id="rId16"/>
-    <p:sldId id="282" r:id="rId17"/>
-    <p:sldId id="283" r:id="rId18"/>
+    <p:sldId id="284" r:id="rId14"/>
+    <p:sldId id="279" r:id="rId15"/>
+    <p:sldId id="280" r:id="rId16"/>
+    <p:sldId id="281" r:id="rId17"/>
+    <p:sldId id="282" r:id="rId18"/>
+    <p:sldId id="283" r:id="rId19"/>
+    <p:sldId id="285" r:id="rId20"/>
+    <p:sldId id="286" r:id="rId21"/>
+    <p:sldId id="287" r:id="rId22"/>
+    <p:sldId id="288" r:id="rId23"/>
+    <p:sldId id="289" r:id="rId24"/>
   </p:sldIdLst>
   <p:sldSz cx="12192000" cy="6858000"/>
   <p:notesSz cx="6858000" cy="9144000"/>
@@ -259,7 +265,7 @@
           <a:p>
             <a:fld id="{5B96D3F8-CD2E-4A0D-AC38-517181EABB18}" type="datetimeFigureOut">
               <a:rPr kumimoji="1" lang="ja-JP" altLang="en-US" smtClean="0"/>
-              <a:t>2024/9/2</a:t>
+              <a:t>2025/7/9</a:t>
             </a:fld>
             <a:endParaRPr kumimoji="1" lang="ja-JP" altLang="en-US"/>
           </a:p>
@@ -461,7 +467,7 @@
           <a:p>
             <a:fld id="{5B96D3F8-CD2E-4A0D-AC38-517181EABB18}" type="datetimeFigureOut">
               <a:rPr kumimoji="1" lang="ja-JP" altLang="en-US" smtClean="0"/>
-              <a:t>2024/9/2</a:t>
+              <a:t>2025/7/9</a:t>
             </a:fld>
             <a:endParaRPr kumimoji="1" lang="ja-JP" altLang="en-US"/>
           </a:p>
@@ -673,7 +679,7 @@
           <a:p>
             <a:fld id="{5B96D3F8-CD2E-4A0D-AC38-517181EABB18}" type="datetimeFigureOut">
               <a:rPr kumimoji="1" lang="ja-JP" altLang="en-US" smtClean="0"/>
-              <a:t>2024/9/2</a:t>
+              <a:t>2025/7/9</a:t>
             </a:fld>
             <a:endParaRPr kumimoji="1" lang="ja-JP" altLang="en-US"/>
           </a:p>
@@ -875,7 +881,7 @@
           <a:p>
             <a:fld id="{5B96D3F8-CD2E-4A0D-AC38-517181EABB18}" type="datetimeFigureOut">
               <a:rPr kumimoji="1" lang="ja-JP" altLang="en-US" smtClean="0"/>
-              <a:t>2024/9/2</a:t>
+              <a:t>2025/7/9</a:t>
             </a:fld>
             <a:endParaRPr kumimoji="1" lang="ja-JP" altLang="en-US"/>
           </a:p>
@@ -1121,7 +1127,7 @@
           <a:p>
             <a:fld id="{5B96D3F8-CD2E-4A0D-AC38-517181EABB18}" type="datetimeFigureOut">
               <a:rPr kumimoji="1" lang="ja-JP" altLang="en-US" smtClean="0"/>
-              <a:t>2024/9/2</a:t>
+              <a:t>2025/7/9</a:t>
             </a:fld>
             <a:endParaRPr kumimoji="1" lang="ja-JP" altLang="en-US"/>
           </a:p>
@@ -1417,7 +1423,7 @@
           <a:p>
             <a:fld id="{5B96D3F8-CD2E-4A0D-AC38-517181EABB18}" type="datetimeFigureOut">
               <a:rPr kumimoji="1" lang="ja-JP" altLang="en-US" smtClean="0"/>
-              <a:t>2024/9/2</a:t>
+              <a:t>2025/7/9</a:t>
             </a:fld>
             <a:endParaRPr kumimoji="1" lang="ja-JP" altLang="en-US"/>
           </a:p>
@@ -1848,7 +1854,7 @@
           <a:p>
             <a:fld id="{5B96D3F8-CD2E-4A0D-AC38-517181EABB18}" type="datetimeFigureOut">
               <a:rPr kumimoji="1" lang="ja-JP" altLang="en-US" smtClean="0"/>
-              <a:t>2024/9/2</a:t>
+              <a:t>2025/7/9</a:t>
             </a:fld>
             <a:endParaRPr kumimoji="1" lang="ja-JP" altLang="en-US"/>
           </a:p>
@@ -1966,7 +1972,7 @@
           <a:p>
             <a:fld id="{5B96D3F8-CD2E-4A0D-AC38-517181EABB18}" type="datetimeFigureOut">
               <a:rPr kumimoji="1" lang="ja-JP" altLang="en-US" smtClean="0"/>
-              <a:t>2024/9/2</a:t>
+              <a:t>2025/7/9</a:t>
             </a:fld>
             <a:endParaRPr kumimoji="1" lang="ja-JP" altLang="en-US"/>
           </a:p>
@@ -2061,7 +2067,7 @@
           <a:p>
             <a:fld id="{5B96D3F8-CD2E-4A0D-AC38-517181EABB18}" type="datetimeFigureOut">
               <a:rPr kumimoji="1" lang="ja-JP" altLang="en-US" smtClean="0"/>
-              <a:t>2024/9/2</a:t>
+              <a:t>2025/7/9</a:t>
             </a:fld>
             <a:endParaRPr kumimoji="1" lang="ja-JP" altLang="en-US"/>
           </a:p>
@@ -2370,7 +2376,7 @@
           <a:p>
             <a:fld id="{5B96D3F8-CD2E-4A0D-AC38-517181EABB18}" type="datetimeFigureOut">
               <a:rPr kumimoji="1" lang="ja-JP" altLang="en-US" smtClean="0"/>
-              <a:t>2024/9/2</a:t>
+              <a:t>2025/7/9</a:t>
             </a:fld>
             <a:endParaRPr kumimoji="1" lang="ja-JP" altLang="en-US"/>
           </a:p>
@@ -2627,7 +2633,7 @@
           <a:p>
             <a:fld id="{5B96D3F8-CD2E-4A0D-AC38-517181EABB18}" type="datetimeFigureOut">
               <a:rPr kumimoji="1" lang="ja-JP" altLang="en-US" smtClean="0"/>
-              <a:t>2024/9/2</a:t>
+              <a:t>2025/7/9</a:t>
             </a:fld>
             <a:endParaRPr kumimoji="1" lang="ja-JP" altLang="en-US"/>
           </a:p>
@@ -2872,7 +2878,7 @@
           <a:p>
             <a:fld id="{5B96D3F8-CD2E-4A0D-AC38-517181EABB18}" type="datetimeFigureOut">
               <a:rPr kumimoji="1" lang="ja-JP" altLang="en-US" smtClean="0"/>
-              <a:t>2024/9/2</a:t>
+              <a:t>2025/7/9</a:t>
             </a:fld>
             <a:endParaRPr kumimoji="1" lang="ja-JP" altLang="en-US"/>
           </a:p>
@@ -4350,7 +4356,7 @@
 </file>
 
 <file path=ppt/slides/slide12.xml><?xml version="1.0" encoding="utf-8"?>
-<p:sld xmlns:a="http://schemas.openxmlformats.org/drawingml/2006/main" xmlns:r="http://schemas.openxmlformats.org/officeDocument/2006/relationships" xmlns:p="http://schemas.openxmlformats.org/presentationml/2006/main">
+<p:sld xmlns:a="http://schemas.openxmlformats.org/drawingml/2006/main" xmlns:r="http://schemas.openxmlformats.org/officeDocument/2006/relationships" xmlns:p="http://schemas.openxmlformats.org/presentationml/2006/main" show="0">
   <p:cSld>
     <p:spTree>
       <p:nvGrpSpPr>
@@ -4979,59 +4985,32 @@
           <a:p>
             <a:r>
               <a:rPr kumimoji="1" lang="en-US" altLang="ja-JP" sz="3200" dirty="0"/>
-              <a:t>#include &lt;iostream&gt;</a:t>
-            </a:r>
-          </a:p>
-          <a:p>
-            <a:r>
-              <a:rPr kumimoji="1" lang="en-US" altLang="ja-JP" sz="3200" dirty="0"/>
-              <a:t>using </a:t>
-            </a:r>
-            <a:r>
-              <a:rPr kumimoji="1" lang="en-US" altLang="ja-JP" sz="3200" dirty="0">
-                <a:highlight>
-                  <a:srgbClr val="00FFFF"/>
-                </a:highlight>
-              </a:rPr>
-              <a:t>namespace std</a:t>
-            </a:r>
-            <a:r>
-              <a:rPr kumimoji="1" lang="en-US" altLang="ja-JP" sz="3200" dirty="0"/>
-              <a:t>;</a:t>
+              <a:t>#include &lt;iostream&gt; </a:t>
             </a:r>
             <a:r>
               <a:rPr kumimoji="1" lang="ja-JP" altLang="en-US" sz="3200" dirty="0"/>
-              <a:t>　　　　</a:t>
-            </a:r>
-            <a:br>
-              <a:rPr kumimoji="1" lang="en-US" altLang="ja-JP" sz="3200" dirty="0"/>
-            </a:br>
-            <a:br>
-              <a:rPr kumimoji="1" lang="en-US" altLang="ja-JP" sz="3200" dirty="0"/>
-            </a:br>
-            <a:r>
-              <a:rPr kumimoji="1" lang="en-US" altLang="ja-JP" sz="3200" dirty="0"/>
-              <a:t>void </a:t>
-            </a:r>
-            <a:r>
-              <a:rPr kumimoji="1" lang="en-US" altLang="ja-JP" sz="3200" dirty="0">
-                <a:solidFill>
-                  <a:srgbClr val="FF0000"/>
-                </a:solidFill>
-              </a:rPr>
-              <a:t>Car</a:t>
-            </a:r>
-            <a:r>
-              <a:rPr kumimoji="1" lang="en-US" altLang="ja-JP" sz="3200" dirty="0"/>
-              <a:t>::</a:t>
-            </a:r>
-            <a:r>
-              <a:rPr kumimoji="1" lang="en-US" altLang="ja-JP" sz="3200" dirty="0">
-                <a:solidFill>
-                  <a:srgbClr val="00B0F0"/>
-                </a:solidFill>
-              </a:rPr>
-              <a:t>drive(double hour){</a:t>
+              <a:t>　　　</a:t>
+            </a:r>
+            <a:endParaRPr kumimoji="1" lang="en-US" altLang="ja-JP" sz="3200" dirty="0">
+              <a:solidFill>
+                <a:srgbClr val="0070C0"/>
+              </a:solidFill>
+            </a:endParaRPr>
+          </a:p>
+          <a:p>
+            <a:r>
+              <a:rPr kumimoji="1" lang="en-US" altLang="ja-JP" sz="3200" dirty="0"/>
+              <a:t>using namespace std;</a:t>
+            </a:r>
+            <a:br>
+              <a:rPr kumimoji="1" lang="en-US" altLang="ja-JP" sz="3200" dirty="0"/>
+            </a:br>
+            <a:br>
+              <a:rPr kumimoji="1" lang="en-US" altLang="ja-JP" sz="3200" dirty="0"/>
+            </a:br>
+            <a:r>
+              <a:rPr kumimoji="1" lang="en-US" altLang="ja-JP" sz="3200" dirty="0"/>
+              <a:t>void Car::drive(double hour){</a:t>
             </a:r>
           </a:p>
           <a:p>
@@ -5040,11 +5019,7 @@
               <a:t>    </a:t>
             </a:r>
             <a:r>
-              <a:rPr kumimoji="1" lang="en-US" altLang="ja-JP" sz="3200" dirty="0" err="1">
-                <a:highlight>
-                  <a:srgbClr val="00FFFF"/>
-                </a:highlight>
-              </a:rPr>
+              <a:rPr kumimoji="1" lang="en-US" altLang="ja-JP" sz="3200" dirty="0" err="1"/>
               <a:t>cout</a:t>
             </a:r>
             <a:r>
@@ -5083,11 +5058,7 @@
               <a:t>” &lt;&lt; </a:t>
             </a:r>
             <a:r>
-              <a:rPr kumimoji="1" lang="en-US" altLang="ja-JP" sz="3200" dirty="0" err="1">
-                <a:highlight>
-                  <a:srgbClr val="00FFFF"/>
-                </a:highlight>
-              </a:rPr>
+              <a:rPr kumimoji="1" lang="en-US" altLang="ja-JP" sz="3200" dirty="0" err="1"/>
               <a:t>endl</a:t>
             </a:r>
             <a:r>
@@ -5102,11 +5073,7 @@
               <a:t>    </a:t>
             </a:r>
             <a:r>
-              <a:rPr kumimoji="1" lang="en-US" altLang="ja-JP" sz="3200" dirty="0" err="1">
-                <a:highlight>
-                  <a:srgbClr val="00FFFF"/>
-                </a:highlight>
-              </a:rPr>
+              <a:rPr kumimoji="1" lang="en-US" altLang="ja-JP" sz="3200" dirty="0" err="1"/>
               <a:t>cout</a:t>
             </a:r>
             <a:r>
@@ -5122,11 +5089,7 @@
               <a:t>”&lt;&lt; </a:t>
             </a:r>
             <a:r>
-              <a:rPr kumimoji="1" lang="en-US" altLang="ja-JP" sz="3200" dirty="0" err="1">
-                <a:highlight>
-                  <a:srgbClr val="00FFFF"/>
-                </a:highlight>
-              </a:rPr>
+              <a:rPr kumimoji="1" lang="en-US" altLang="ja-JP" sz="3200" dirty="0" err="1"/>
               <a:t>endl</a:t>
             </a:r>
             <a:r>
@@ -5149,54 +5112,10 @@
       </p:sp>
       <p:sp>
         <p:nvSpPr>
-          <p:cNvPr id="9" name="矢印: 右 8">
+          <p:cNvPr id="9" name="テキスト ボックス 8">
             <a:extLst>
               <a:ext uri="{FF2B5EF4-FFF2-40B4-BE49-F238E27FC236}">
-                <a16:creationId xmlns:a16="http://schemas.microsoft.com/office/drawing/2014/main" id="{A80B46E6-AAB7-7908-EB5B-67C0B8E3D7C5}"/>
-              </a:ext>
-            </a:extLst>
-          </p:cNvPr>
-          <p:cNvSpPr/>
-          <p:nvPr/>
-        </p:nvSpPr>
-        <p:spPr>
-          <a:xfrm flipH="1">
-            <a:off x="6254976" y="2997507"/>
-            <a:ext cx="723482" cy="431493"/>
-          </a:xfrm>
-          <a:prstGeom prst="rightArrow">
-            <a:avLst/>
-          </a:prstGeom>
-        </p:spPr>
-        <p:style>
-          <a:lnRef idx="1">
-            <a:schemeClr val="accent5"/>
-          </a:lnRef>
-          <a:fillRef idx="2">
-            <a:schemeClr val="accent5"/>
-          </a:fillRef>
-          <a:effectRef idx="1">
-            <a:schemeClr val="accent5"/>
-          </a:effectRef>
-          <a:fontRef idx="minor">
-            <a:schemeClr val="dk1"/>
-          </a:fontRef>
-        </p:style>
-        <p:txBody>
-          <a:bodyPr rtlCol="0" anchor="ctr"/>
-          <a:lstStyle/>
-          <a:p>
-            <a:pPr algn="ctr"/>
-            <a:endParaRPr kumimoji="1" lang="ja-JP" altLang="en-US"/>
-          </a:p>
-        </p:txBody>
-      </p:sp>
-      <p:sp>
-        <p:nvSpPr>
-          <p:cNvPr id="10" name="テキスト ボックス 9">
-            <a:extLst>
-              <a:ext uri="{FF2B5EF4-FFF2-40B4-BE49-F238E27FC236}">
-                <a16:creationId xmlns:a16="http://schemas.microsoft.com/office/drawing/2014/main" id="{946AB9A0-9370-CA49-A765-13BD33B2EF09}"/>
+                <a16:creationId xmlns:a16="http://schemas.microsoft.com/office/drawing/2014/main" id="{1D5806E6-74D3-430C-8507-B46A5DF507D9}"/>
               </a:ext>
             </a:extLst>
           </p:cNvPr>
@@ -5205,105 +5124,77 @@
         </p:nvSpPr>
         <p:spPr>
           <a:xfrm>
-            <a:off x="7134375" y="2228671"/>
-            <a:ext cx="4219425" cy="1200329"/>
+            <a:off x="5353527" y="591208"/>
+            <a:ext cx="5449555" cy="1569660"/>
           </a:xfrm>
           <a:prstGeom prst="rect">
             <a:avLst/>
           </a:prstGeom>
-          <a:noFill/>
+          <a:solidFill>
+            <a:schemeClr val="bg1"/>
+          </a:solidFill>
+          <a:ln w="28575">
+            <a:solidFill>
+              <a:srgbClr val="FF0000"/>
+            </a:solidFill>
+          </a:ln>
         </p:spPr>
         <p:txBody>
-          <a:bodyPr wrap="none" rtlCol="0">
+          <a:bodyPr wrap="square" rtlCol="0">
             <a:spAutoFit/>
           </a:bodyPr>
           <a:lstStyle/>
           <a:p>
             <a:r>
+              <a:rPr kumimoji="1" lang="en-US" altLang="ja-JP" sz="2400" b="1" dirty="0" err="1">
+                <a:solidFill>
+                  <a:srgbClr val="00B050"/>
+                </a:solidFill>
+              </a:rPr>
+              <a:t>car.h</a:t>
+            </a:r>
+            <a:r>
+              <a:rPr kumimoji="1" lang="ja-JP" altLang="en-US" sz="2400" dirty="0"/>
+              <a:t>に記述した内容によって</a:t>
+            </a:r>
+            <a:endParaRPr kumimoji="1" lang="en-US" altLang="ja-JP" sz="2400" dirty="0"/>
+          </a:p>
+          <a:p>
+            <a:r>
+              <a:rPr kumimoji="1" lang="ja-JP" altLang="en-US" sz="2400" dirty="0"/>
+              <a:t>メンバ関数を定義する必要があるので</a:t>
+            </a:r>
+            <a:endParaRPr kumimoji="1" lang="en-US" altLang="ja-JP" sz="2400" dirty="0"/>
+          </a:p>
+          <a:p>
+            <a:r>
+              <a:rPr kumimoji="1" lang="en-US" altLang="ja-JP" sz="2400" dirty="0">
+                <a:solidFill>
+                  <a:srgbClr val="FF0000"/>
+                </a:solidFill>
+              </a:rPr>
+              <a:t>Car</a:t>
+            </a:r>
+            <a:r>
               <a:rPr kumimoji="1" lang="ja-JP" altLang="en-US" sz="2400" dirty="0">
                 <a:solidFill>
-                  <a:srgbClr val="0070C0"/>
-                </a:solidFill>
-              </a:rPr>
-              <a:t>これがないと </a:t>
-            </a:r>
-            <a:br>
-              <a:rPr kumimoji="1" lang="en-US" altLang="ja-JP" sz="2400" dirty="0">
-                <a:solidFill>
-                  <a:srgbClr val="0070C0"/>
-                </a:solidFill>
-              </a:rPr>
-            </a:br>
-            <a:r>
-              <a:rPr kumimoji="1" lang="en-US" altLang="ja-JP" sz="2400" dirty="0">
-                <a:solidFill>
-                  <a:srgbClr val="0070C0"/>
-                </a:solidFill>
-              </a:rPr>
-              <a:t>std::</a:t>
-            </a:r>
-            <a:r>
-              <a:rPr kumimoji="1" lang="en-US" altLang="ja-JP" sz="2400" dirty="0" err="1">
-                <a:solidFill>
-                  <a:srgbClr val="0070C0"/>
-                </a:solidFill>
-              </a:rPr>
-              <a:t>cout</a:t>
-            </a:r>
-            <a:r>
-              <a:rPr kumimoji="1" lang="ja-JP" altLang="en-US" sz="2400" dirty="0">
-                <a:solidFill>
-                  <a:srgbClr val="0070C0"/>
-                </a:solidFill>
-              </a:rPr>
-              <a:t>　</a:t>
-            </a:r>
-            <a:r>
-              <a:rPr kumimoji="1" lang="en-US" altLang="ja-JP" sz="2400" dirty="0">
-                <a:solidFill>
-                  <a:srgbClr val="0070C0"/>
-                </a:solidFill>
-              </a:rPr>
-              <a:t>,std::</a:t>
-            </a:r>
-            <a:r>
-              <a:rPr kumimoji="1" lang="en-US" altLang="ja-JP" sz="2400" dirty="0" err="1">
-                <a:solidFill>
-                  <a:srgbClr val="0070C0"/>
-                </a:solidFill>
-              </a:rPr>
-              <a:t>endl</a:t>
-            </a:r>
-            <a:r>
-              <a:rPr kumimoji="1" lang="ja-JP" altLang="en-US" sz="2400" dirty="0">
-                <a:solidFill>
-                  <a:srgbClr val="0070C0"/>
-                </a:solidFill>
-              </a:rPr>
-              <a:t>　</a:t>
-            </a:r>
-            <a:br>
-              <a:rPr kumimoji="1" lang="en-US" altLang="ja-JP" sz="2400" dirty="0">
-                <a:solidFill>
-                  <a:srgbClr val="0070C0"/>
-                </a:solidFill>
-              </a:rPr>
-            </a:br>
-            <a:r>
-              <a:rPr kumimoji="1" lang="ja-JP" altLang="en-US" sz="2400" dirty="0">
-                <a:solidFill>
-                  <a:srgbClr val="0070C0"/>
-                </a:solidFill>
-              </a:rPr>
-              <a:t>と書く必要がある</a:t>
-            </a:r>
+                  <a:srgbClr val="FF0000"/>
+                </a:solidFill>
+              </a:rPr>
+              <a:t>クラス</a:t>
+            </a:r>
+            <a:r>
+              <a:rPr kumimoji="1" lang="ja-JP" altLang="en-US" sz="2400" dirty="0"/>
+              <a:t>の設計図をここで読み込んでおく</a:t>
+            </a:r>
+            <a:endParaRPr kumimoji="1" lang="en-US" altLang="ja-JP" sz="2400" dirty="0"/>
           </a:p>
         </p:txBody>
       </p:sp>
     </p:spTree>
     <p:extLst>
       <p:ext uri="{BB962C8B-B14F-4D97-AF65-F5344CB8AC3E}">
-        <p14:creationId xmlns:p14="http://schemas.microsoft.com/office/powerpoint/2010/main" val="3667997308"/>
+        <p14:creationId xmlns:p14="http://schemas.microsoft.com/office/powerpoint/2010/main" val="4258836120"/>
       </p:ext>
     </p:extLst>
   </p:cSld>
@@ -5467,232 +5358,160 @@
               <a:t>#include “</a:t>
             </a:r>
             <a:r>
+              <a:rPr kumimoji="1" lang="en-US" altLang="ja-JP" sz="3200" dirty="0" err="1"/>
+              <a:t>car.h</a:t>
+            </a:r>
+            <a:r>
+              <a:rPr kumimoji="1" lang="en-US" altLang="ja-JP" sz="3200" dirty="0"/>
+              <a:t>”</a:t>
+            </a:r>
+          </a:p>
+          <a:p>
+            <a:r>
+              <a:rPr kumimoji="1" lang="en-US" altLang="ja-JP" sz="3200" dirty="0"/>
+              <a:t>#include &lt;iostream&gt;</a:t>
+            </a:r>
+          </a:p>
+          <a:p>
+            <a:r>
+              <a:rPr kumimoji="1" lang="en-US" altLang="ja-JP" sz="3200" dirty="0"/>
+              <a:t>using </a:t>
+            </a:r>
+            <a:r>
+              <a:rPr kumimoji="1" lang="en-US" altLang="ja-JP" sz="3200" dirty="0">
+                <a:highlight>
+                  <a:srgbClr val="00FFFF"/>
+                </a:highlight>
+              </a:rPr>
+              <a:t>namespace std</a:t>
+            </a:r>
+            <a:r>
+              <a:rPr kumimoji="1" lang="en-US" altLang="ja-JP" sz="3200" dirty="0"/>
+              <a:t>;</a:t>
+            </a:r>
+            <a:r>
+              <a:rPr kumimoji="1" lang="ja-JP" altLang="en-US" sz="3200" dirty="0"/>
+              <a:t>　　　　</a:t>
+            </a:r>
+            <a:br>
+              <a:rPr kumimoji="1" lang="en-US" altLang="ja-JP" sz="3200" dirty="0"/>
+            </a:br>
+            <a:br>
+              <a:rPr kumimoji="1" lang="en-US" altLang="ja-JP" sz="3200" dirty="0"/>
+            </a:br>
+            <a:r>
+              <a:rPr kumimoji="1" lang="en-US" altLang="ja-JP" sz="3200" dirty="0"/>
+              <a:t>void Car::drive(double hour){</a:t>
+            </a:r>
+          </a:p>
+          <a:p>
+            <a:r>
+              <a:rPr kumimoji="1" lang="en-US" altLang="ja-JP" sz="3200" dirty="0"/>
+              <a:t>    </a:t>
+            </a:r>
+            <a:r>
               <a:rPr kumimoji="1" lang="en-US" altLang="ja-JP" sz="3200" dirty="0" err="1">
-                <a:solidFill>
-                  <a:srgbClr val="00B050"/>
-                </a:solidFill>
-              </a:rPr>
-              <a:t>car.h</a:t>
-            </a:r>
-            <a:r>
-              <a:rPr kumimoji="1" lang="en-US" altLang="ja-JP" sz="3200" dirty="0"/>
-              <a:t>”</a:t>
-            </a:r>
-          </a:p>
-          <a:p>
-            <a:r>
-              <a:rPr kumimoji="1" lang="en-US" altLang="ja-JP" sz="3200" dirty="0"/>
-              <a:t>#include &lt;iostream&gt;</a:t>
-            </a:r>
-          </a:p>
-          <a:p>
-            <a:r>
-              <a:rPr kumimoji="1" lang="en-US" altLang="ja-JP" sz="3200" dirty="0"/>
-              <a:t>using namespace std;</a:t>
-            </a:r>
-            <a:br>
-              <a:rPr kumimoji="1" lang="en-US" altLang="ja-JP" sz="3200" dirty="0"/>
-            </a:br>
-            <a:br>
-              <a:rPr kumimoji="1" lang="en-US" altLang="ja-JP" sz="3200" dirty="0"/>
-            </a:br>
-            <a:r>
-              <a:rPr kumimoji="1" lang="en-US" altLang="ja-JP" sz="3200" dirty="0"/>
-              <a:t>void </a:t>
-            </a:r>
+                <a:highlight>
+                  <a:srgbClr val="00FFFF"/>
+                </a:highlight>
+              </a:rPr>
+              <a:t>cout</a:t>
+            </a:r>
+            <a:r>
+              <a:rPr kumimoji="1" lang="en-US" altLang="ja-JP" sz="3200" dirty="0"/>
+              <a:t> &lt;&lt; “</a:t>
+            </a:r>
+            <a:r>
+              <a:rPr kumimoji="1" lang="ja-JP" altLang="en-US" sz="3200" dirty="0"/>
+              <a:t>時速</a:t>
+            </a:r>
+            <a:r>
+              <a:rPr kumimoji="1" lang="en-US" altLang="ja-JP" sz="3200" dirty="0"/>
+              <a:t>” &lt;&lt; speed &lt;&lt; “km</a:t>
+            </a:r>
+            <a:r>
+              <a:rPr kumimoji="1" lang="ja-JP" altLang="en-US" sz="3200" dirty="0"/>
+              <a:t>で</a:t>
+            </a:r>
+            <a:r>
+              <a:rPr kumimoji="1" lang="en-US" altLang="ja-JP" sz="3200" dirty="0"/>
+              <a:t>” &lt;&lt;</a:t>
+            </a:r>
+            <a:br>
+              <a:rPr kumimoji="1" lang="en-US" altLang="ja-JP" sz="3200" dirty="0"/>
+            </a:br>
+            <a:r>
+              <a:rPr kumimoji="1" lang="en-US" altLang="ja-JP" sz="3200" dirty="0"/>
+              <a:t>         hour &lt;&lt; “</a:t>
+            </a:r>
+            <a:r>
+              <a:rPr kumimoji="1" lang="ja-JP" altLang="en-US" sz="3200" dirty="0"/>
+              <a:t>時間走行</a:t>
+            </a:r>
+            <a:r>
+              <a:rPr kumimoji="1" lang="en-US" altLang="ja-JP" sz="3200" dirty="0"/>
+              <a:t>” &lt;&lt; </a:t>
+            </a:r>
+            <a:r>
+              <a:rPr kumimoji="1" lang="en-US" altLang="ja-JP" sz="3200" dirty="0" err="1">
+                <a:highlight>
+                  <a:srgbClr val="00FFFF"/>
+                </a:highlight>
+              </a:rPr>
+              <a:t>endl</a:t>
+            </a:r>
+            <a:r>
+              <a:rPr kumimoji="1" lang="en-US" altLang="ja-JP" sz="3200" dirty="0"/>
+              <a:t>;</a:t>
+            </a:r>
+            <a:br>
+              <a:rPr kumimoji="1" lang="en-US" altLang="ja-JP" sz="3200" dirty="0"/>
+            </a:br>
+            <a:r>
+              <a:rPr kumimoji="1" lang="en-US" altLang="ja-JP" sz="3200" dirty="0"/>
+              <a:t>    </a:t>
+            </a:r>
+            <a:r>
+              <a:rPr kumimoji="1" lang="en-US" altLang="ja-JP" sz="3200" dirty="0" err="1">
+                <a:highlight>
+                  <a:srgbClr val="00FFFF"/>
+                </a:highlight>
+              </a:rPr>
+              <a:t>cout</a:t>
+            </a:r>
+            <a:r>
+              <a:rPr kumimoji="1" lang="en-US" altLang="ja-JP" sz="3200" dirty="0"/>
+              <a:t> &lt;&lt; speed*hour &lt;&lt; “km</a:t>
+            </a:r>
+            <a:r>
+              <a:rPr kumimoji="1" lang="ja-JP" altLang="en-US" sz="3200" dirty="0"/>
+              <a:t>移動</a:t>
+            </a:r>
+            <a:r>
+              <a:rPr kumimoji="1" lang="en-US" altLang="ja-JP" sz="3200" dirty="0"/>
+              <a:t>”&lt;&lt; </a:t>
+            </a:r>
+            <a:r>
+              <a:rPr kumimoji="1" lang="en-US" altLang="ja-JP" sz="3200" dirty="0" err="1">
+                <a:highlight>
+                  <a:srgbClr val="00FFFF"/>
+                </a:highlight>
+              </a:rPr>
+              <a:t>endl</a:t>
+            </a:r>
+            <a:r>
+              <a:rPr kumimoji="1" lang="en-US" altLang="ja-JP" sz="3200" dirty="0"/>
+              <a:t>;</a:t>
+            </a:r>
+            <a:br>
+              <a:rPr kumimoji="1" lang="en-US" altLang="ja-JP" sz="3200" dirty="0"/>
+            </a:br>
             <a:r>
               <a:rPr kumimoji="1" lang="en-US" altLang="ja-JP" sz="3200" dirty="0">
                 <a:solidFill>
-                  <a:srgbClr val="FF0000"/>
-                </a:solidFill>
-              </a:rPr>
-              <a:t>Car::</a:t>
-            </a:r>
-            <a:r>
-              <a:rPr kumimoji="1" lang="en-US" altLang="ja-JP" sz="3200" dirty="0">
-                <a:solidFill>
                   <a:srgbClr val="00B0F0"/>
                 </a:solidFill>
               </a:rPr>
-              <a:t>drive(double hour){</a:t>
-            </a:r>
-          </a:p>
-          <a:p>
-            <a:r>
-              <a:rPr kumimoji="1" lang="en-US" altLang="ja-JP" sz="3200" dirty="0"/>
-              <a:t>    </a:t>
-            </a:r>
-            <a:r>
-              <a:rPr kumimoji="1" lang="en-US" altLang="ja-JP" sz="3200" dirty="0" err="1">
-                <a:solidFill>
-                  <a:srgbClr val="00B0F0"/>
-                </a:solidFill>
-              </a:rPr>
-              <a:t>cout</a:t>
-            </a:r>
-            <a:r>
-              <a:rPr kumimoji="1" lang="en-US" altLang="ja-JP" sz="3200" dirty="0">
-                <a:solidFill>
-                  <a:srgbClr val="00B0F0"/>
-                </a:solidFill>
-              </a:rPr>
-              <a:t> &lt;&lt; “</a:t>
-            </a:r>
-            <a:r>
-              <a:rPr kumimoji="1" lang="ja-JP" altLang="en-US" sz="3200" dirty="0">
-                <a:solidFill>
-                  <a:srgbClr val="00B0F0"/>
-                </a:solidFill>
-              </a:rPr>
-              <a:t>時速</a:t>
-            </a:r>
-            <a:r>
-              <a:rPr kumimoji="1" lang="en-US" altLang="ja-JP" sz="3200" dirty="0">
-                <a:solidFill>
-                  <a:srgbClr val="00B0F0"/>
-                </a:solidFill>
-              </a:rPr>
-              <a:t>” &lt;&lt; speed &lt;&lt; “km</a:t>
-            </a:r>
-            <a:r>
-              <a:rPr kumimoji="1" lang="ja-JP" altLang="en-US" sz="3200" dirty="0">
-                <a:solidFill>
-                  <a:srgbClr val="00B0F0"/>
-                </a:solidFill>
-              </a:rPr>
-              <a:t>で</a:t>
-            </a:r>
-            <a:r>
-              <a:rPr kumimoji="1" lang="en-US" altLang="ja-JP" sz="3200" dirty="0">
-                <a:solidFill>
-                  <a:srgbClr val="00B0F0"/>
-                </a:solidFill>
-              </a:rPr>
-              <a:t>” &lt;&lt;</a:t>
-            </a:r>
-            <a:br>
-              <a:rPr kumimoji="1" lang="en-US" altLang="ja-JP" sz="3200" dirty="0">
-                <a:solidFill>
-                  <a:srgbClr val="00B0F0"/>
-                </a:solidFill>
-              </a:rPr>
-            </a:br>
-            <a:r>
-              <a:rPr kumimoji="1" lang="en-US" altLang="ja-JP" sz="3200" dirty="0">
-                <a:solidFill>
-                  <a:srgbClr val="00B0F0"/>
-                </a:solidFill>
-              </a:rPr>
-              <a:t>         hour &lt;&lt; “</a:t>
-            </a:r>
-            <a:r>
-              <a:rPr kumimoji="1" lang="ja-JP" altLang="en-US" sz="3200" dirty="0">
-                <a:solidFill>
-                  <a:srgbClr val="00B0F0"/>
-                </a:solidFill>
-              </a:rPr>
-              <a:t>時間走行</a:t>
-            </a:r>
-            <a:r>
-              <a:rPr kumimoji="1" lang="en-US" altLang="ja-JP" sz="3200" dirty="0">
-                <a:solidFill>
-                  <a:srgbClr val="00B0F0"/>
-                </a:solidFill>
-              </a:rPr>
-              <a:t>” &lt;&lt; </a:t>
-            </a:r>
-            <a:r>
-              <a:rPr kumimoji="1" lang="en-US" altLang="ja-JP" sz="3200" dirty="0" err="1">
-                <a:solidFill>
-                  <a:srgbClr val="00B0F0"/>
-                </a:solidFill>
-              </a:rPr>
-              <a:t>endl</a:t>
-            </a:r>
-            <a:r>
-              <a:rPr kumimoji="1" lang="en-US" altLang="ja-JP" sz="3200" dirty="0">
-                <a:solidFill>
-                  <a:srgbClr val="00B0F0"/>
-                </a:solidFill>
-              </a:rPr>
-              <a:t>;</a:t>
-            </a:r>
-            <a:br>
-              <a:rPr kumimoji="1" lang="en-US" altLang="ja-JP" sz="3200" dirty="0">
-                <a:solidFill>
-                  <a:srgbClr val="00B0F0"/>
-                </a:solidFill>
-              </a:rPr>
-            </a:br>
-            <a:r>
-              <a:rPr kumimoji="1" lang="en-US" altLang="ja-JP" sz="3200" dirty="0">
-                <a:solidFill>
-                  <a:srgbClr val="00B0F0"/>
-                </a:solidFill>
-              </a:rPr>
-              <a:t>    </a:t>
-            </a:r>
-            <a:r>
-              <a:rPr kumimoji="1" lang="en-US" altLang="ja-JP" sz="3200" dirty="0" err="1">
-                <a:solidFill>
-                  <a:srgbClr val="00B0F0"/>
-                </a:solidFill>
-              </a:rPr>
-              <a:t>cout</a:t>
-            </a:r>
-            <a:r>
-              <a:rPr kumimoji="1" lang="en-US" altLang="ja-JP" sz="3200" dirty="0">
-                <a:solidFill>
-                  <a:srgbClr val="00B0F0"/>
-                </a:solidFill>
-              </a:rPr>
-              <a:t> &lt;&lt; speed*hour &lt;&lt; “km</a:t>
-            </a:r>
-            <a:r>
-              <a:rPr kumimoji="1" lang="ja-JP" altLang="en-US" sz="3200" dirty="0">
-                <a:solidFill>
-                  <a:srgbClr val="00B0F0"/>
-                </a:solidFill>
-              </a:rPr>
-              <a:t>移動</a:t>
-            </a:r>
-            <a:r>
-              <a:rPr kumimoji="1" lang="en-US" altLang="ja-JP" sz="3200" dirty="0">
-                <a:solidFill>
-                  <a:srgbClr val="00B0F0"/>
-                </a:solidFill>
-              </a:rPr>
-              <a:t>”&lt;&lt; </a:t>
-            </a:r>
-            <a:r>
-              <a:rPr kumimoji="1" lang="en-US" altLang="ja-JP" sz="3200" dirty="0" err="1">
-                <a:solidFill>
-                  <a:srgbClr val="00B0F0"/>
-                </a:solidFill>
-              </a:rPr>
-              <a:t>endl</a:t>
-            </a:r>
-            <a:r>
-              <a:rPr kumimoji="1" lang="en-US" altLang="ja-JP" sz="3200" dirty="0">
-                <a:solidFill>
-                  <a:srgbClr val="00B0F0"/>
-                </a:solidFill>
-              </a:rPr>
-              <a:t>;</a:t>
-            </a:r>
-            <a:br>
-              <a:rPr kumimoji="1" lang="en-US" altLang="ja-JP" sz="3200" dirty="0">
-                <a:solidFill>
-                  <a:srgbClr val="00B0F0"/>
-                </a:solidFill>
-              </a:rPr>
-            </a:br>
-            <a:r>
-              <a:rPr kumimoji="1" lang="en-US" altLang="ja-JP" sz="3200" dirty="0">
-                <a:solidFill>
-                  <a:srgbClr val="00B0F0"/>
-                </a:solidFill>
-              </a:rPr>
               <a:t>}</a:t>
             </a:r>
           </a:p>
@@ -5700,57 +5519,10 @@
       </p:sp>
       <p:sp>
         <p:nvSpPr>
-          <p:cNvPr id="4" name="テキスト ボックス 3">
+          <p:cNvPr id="9" name="矢印: 右 8">
             <a:extLst>
               <a:ext uri="{FF2B5EF4-FFF2-40B4-BE49-F238E27FC236}">
-                <a16:creationId xmlns:a16="http://schemas.microsoft.com/office/drawing/2014/main" id="{38F1AC6E-9ED9-DA7E-3CEB-55F87EDB838E}"/>
-              </a:ext>
-            </a:extLst>
-          </p:cNvPr>
-          <p:cNvSpPr txBox="1"/>
-          <p:nvPr/>
-        </p:nvSpPr>
-        <p:spPr>
-          <a:xfrm>
-            <a:off x="6577360" y="3035196"/>
-            <a:ext cx="5449555" cy="830997"/>
-          </a:xfrm>
-          <a:prstGeom prst="rect">
-            <a:avLst/>
-          </a:prstGeom>
-          <a:solidFill>
-            <a:schemeClr val="bg1"/>
-          </a:solidFill>
-          <a:ln w="28575">
-            <a:solidFill>
-              <a:srgbClr val="00B0F0"/>
-            </a:solidFill>
-          </a:ln>
-        </p:spPr>
-        <p:txBody>
-          <a:bodyPr wrap="square" rtlCol="0">
-            <a:spAutoFit/>
-          </a:bodyPr>
-          <a:lstStyle/>
-          <a:p>
-            <a:r>
-              <a:rPr kumimoji="1" lang="en-US" altLang="ja-JP" sz="2400" dirty="0" err="1"/>
-              <a:t>car.h</a:t>
-            </a:r>
-            <a:r>
-              <a:rPr kumimoji="1" lang="ja-JP" altLang="en-US" sz="2400" dirty="0"/>
-              <a:t>で定義したメンバ関数の実際の処理を記述</a:t>
-            </a:r>
-            <a:endParaRPr kumimoji="1" lang="en-US" altLang="ja-JP" sz="2400" dirty="0"/>
-          </a:p>
-        </p:txBody>
-      </p:sp>
-      <p:sp>
-        <p:nvSpPr>
-          <p:cNvPr id="6" name="矢印: 右 5">
-            <a:extLst>
-              <a:ext uri="{FF2B5EF4-FFF2-40B4-BE49-F238E27FC236}">
-                <a16:creationId xmlns:a16="http://schemas.microsoft.com/office/drawing/2014/main" id="{338BB3E1-669C-2886-EB24-46B8F49A1D81}"/>
+                <a16:creationId xmlns:a16="http://schemas.microsoft.com/office/drawing/2014/main" id="{A80B46E6-AAB7-7908-EB5B-67C0B8E3D7C5}"/>
               </a:ext>
             </a:extLst>
           </p:cNvPr>
@@ -5758,8 +5530,8 @@
           <p:nvPr/>
         </p:nvSpPr>
         <p:spPr>
-          <a:xfrm rot="19471605" flipH="1">
-            <a:off x="5752558" y="3506547"/>
+          <a:xfrm flipH="1">
+            <a:off x="6254976" y="2997507"/>
             <a:ext cx="723482" cy="431493"/>
           </a:xfrm>
           <a:prstGeom prst="rightArrow">
@@ -5791,10 +5563,10 @@
       </p:sp>
       <p:sp>
         <p:nvSpPr>
-          <p:cNvPr id="7" name="テキスト ボックス 6">
+          <p:cNvPr id="10" name="テキスト ボックス 9">
             <a:extLst>
               <a:ext uri="{FF2B5EF4-FFF2-40B4-BE49-F238E27FC236}">
-                <a16:creationId xmlns:a16="http://schemas.microsoft.com/office/drawing/2014/main" id="{0085F3F3-A9B9-A321-711D-C4AD9A6D6320}"/>
+                <a16:creationId xmlns:a16="http://schemas.microsoft.com/office/drawing/2014/main" id="{946AB9A0-9370-CA49-A765-13BD33B2EF09}"/>
               </a:ext>
             </a:extLst>
           </p:cNvPr>
@@ -5803,114 +5575,105 @@
         </p:nvSpPr>
         <p:spPr>
           <a:xfrm>
-            <a:off x="628146" y="2619697"/>
-            <a:ext cx="3834520" cy="830997"/>
+            <a:off x="7134375" y="2228671"/>
+            <a:ext cx="4219425" cy="1200329"/>
           </a:xfrm>
           <a:prstGeom prst="rect">
             <a:avLst/>
           </a:prstGeom>
-          <a:solidFill>
-            <a:schemeClr val="bg1"/>
-          </a:solidFill>
-          <a:ln w="28575">
-            <a:solidFill>
-              <a:srgbClr val="FF0000"/>
-            </a:solidFill>
-          </a:ln>
+          <a:noFill/>
         </p:spPr>
         <p:txBody>
-          <a:bodyPr wrap="square" rtlCol="0">
+          <a:bodyPr wrap="none" rtlCol="0">
             <a:spAutoFit/>
           </a:bodyPr>
           <a:lstStyle/>
           <a:p>
             <a:r>
-              <a:rPr kumimoji="1" lang="en-US" altLang="ja-JP" sz="2400" dirty="0"/>
-              <a:t>【</a:t>
-            </a:r>
-            <a:r>
+              <a:rPr kumimoji="1" lang="ja-JP" altLang="en-US" sz="2400" dirty="0">
+                <a:solidFill>
+                  <a:srgbClr val="0070C0"/>
+                </a:solidFill>
+              </a:rPr>
+              <a:t>これがないと </a:t>
+            </a:r>
+            <a:br>
               <a:rPr kumimoji="1" lang="en-US" altLang="ja-JP" sz="2400" dirty="0">
                 <a:solidFill>
-                  <a:srgbClr val="FF0000"/>
-                </a:solidFill>
-              </a:rPr>
-              <a:t>Car::</a:t>
-            </a:r>
-            <a:r>
-              <a:rPr kumimoji="1" lang="en-US" altLang="ja-JP" sz="2400" dirty="0"/>
-              <a:t>】</a:t>
-            </a:r>
-            <a:r>
-              <a:rPr kumimoji="1" lang="ja-JP" altLang="en-US" sz="2400" dirty="0"/>
-              <a:t>で</a:t>
-            </a:r>
-            <a:r>
-              <a:rPr kumimoji="1" lang="en-US" altLang="ja-JP" sz="2400" dirty="0"/>
-              <a:t>Car</a:t>
-            </a:r>
-            <a:r>
-              <a:rPr kumimoji="1" lang="ja-JP" altLang="en-US" sz="2400" dirty="0"/>
-              <a:t>クラスで</a:t>
-            </a:r>
-            <a:endParaRPr kumimoji="1" lang="en-US" altLang="ja-JP" sz="2400" dirty="0"/>
-          </a:p>
-          <a:p>
-            <a:r>
-              <a:rPr kumimoji="1" lang="ja-JP" altLang="en-US" sz="2400" dirty="0"/>
-              <a:t>定義されていることを表す</a:t>
-            </a:r>
-            <a:endParaRPr kumimoji="1" lang="en-US" altLang="ja-JP" sz="2400" dirty="0"/>
-          </a:p>
-        </p:txBody>
-      </p:sp>
-      <p:sp>
-        <p:nvSpPr>
-          <p:cNvPr id="8" name="矢印: 右 7">
-            <a:extLst>
-              <a:ext uri="{FF2B5EF4-FFF2-40B4-BE49-F238E27FC236}">
-                <a16:creationId xmlns:a16="http://schemas.microsoft.com/office/drawing/2014/main" id="{29CC1571-9EFD-B67E-91E8-971EAD9BC9BA}"/>
-              </a:ext>
-            </a:extLst>
-          </p:cNvPr>
-          <p:cNvSpPr/>
-          <p:nvPr/>
-        </p:nvSpPr>
-        <p:spPr>
-          <a:xfrm rot="16200000" flipH="1">
-            <a:off x="2489568" y="3522303"/>
-            <a:ext cx="462561" cy="431493"/>
-          </a:xfrm>
-          <a:prstGeom prst="rightArrow">
-            <a:avLst/>
-          </a:prstGeom>
-        </p:spPr>
-        <p:style>
-          <a:lnRef idx="1">
-            <a:schemeClr val="accent2"/>
-          </a:lnRef>
-          <a:fillRef idx="2">
-            <a:schemeClr val="accent2"/>
-          </a:fillRef>
-          <a:effectRef idx="1">
-            <a:schemeClr val="accent2"/>
-          </a:effectRef>
-          <a:fontRef idx="minor">
-            <a:schemeClr val="dk1"/>
-          </a:fontRef>
-        </p:style>
-        <p:txBody>
-          <a:bodyPr rtlCol="0" anchor="ctr"/>
-          <a:lstStyle/>
-          <a:p>
-            <a:pPr algn="ctr"/>
-            <a:endParaRPr kumimoji="1" lang="ja-JP" altLang="en-US"/>
+                  <a:srgbClr val="0070C0"/>
+                </a:solidFill>
+              </a:rPr>
+            </a:br>
+            <a:r>
+              <a:rPr kumimoji="1" lang="en-US" altLang="ja-JP" sz="2400" dirty="0">
+                <a:solidFill>
+                  <a:srgbClr val="0070C0"/>
+                </a:solidFill>
+              </a:rPr>
+              <a:t>std::</a:t>
+            </a:r>
+            <a:r>
+              <a:rPr kumimoji="1" lang="en-US" altLang="ja-JP" sz="2400" dirty="0" err="1">
+                <a:solidFill>
+                  <a:srgbClr val="0070C0"/>
+                </a:solidFill>
+              </a:rPr>
+              <a:t>cout</a:t>
+            </a:r>
+            <a:r>
+              <a:rPr kumimoji="1" lang="ja-JP" altLang="en-US" sz="2400" dirty="0">
+                <a:solidFill>
+                  <a:srgbClr val="0070C0"/>
+                </a:solidFill>
+              </a:rPr>
+              <a:t>　</a:t>
+            </a:r>
+            <a:r>
+              <a:rPr kumimoji="1" lang="en-US" altLang="ja-JP" sz="2400" dirty="0">
+                <a:solidFill>
+                  <a:srgbClr val="0070C0"/>
+                </a:solidFill>
+              </a:rPr>
+              <a:t>,std::</a:t>
+            </a:r>
+            <a:r>
+              <a:rPr kumimoji="1" lang="en-US" altLang="ja-JP" sz="2400" dirty="0" err="1">
+                <a:solidFill>
+                  <a:srgbClr val="0070C0"/>
+                </a:solidFill>
+              </a:rPr>
+              <a:t>endl</a:t>
+            </a:r>
+            <a:r>
+              <a:rPr kumimoji="1" lang="ja-JP" altLang="en-US" sz="2400" dirty="0">
+                <a:solidFill>
+                  <a:srgbClr val="0070C0"/>
+                </a:solidFill>
+              </a:rPr>
+              <a:t>　</a:t>
+            </a:r>
+            <a:br>
+              <a:rPr kumimoji="1" lang="en-US" altLang="ja-JP" sz="2400" dirty="0">
+                <a:solidFill>
+                  <a:srgbClr val="0070C0"/>
+                </a:solidFill>
+              </a:rPr>
+            </a:br>
+            <a:r>
+              <a:rPr kumimoji="1" lang="ja-JP" altLang="en-US" sz="2400" dirty="0">
+                <a:solidFill>
+                  <a:srgbClr val="0070C0"/>
+                </a:solidFill>
+              </a:rPr>
+              <a:t>と書く必要がある</a:t>
+            </a:r>
           </a:p>
         </p:txBody>
       </p:sp>
     </p:spTree>
     <p:extLst>
       <p:ext uri="{BB962C8B-B14F-4D97-AF65-F5344CB8AC3E}">
-        <p14:creationId xmlns:p14="http://schemas.microsoft.com/office/powerpoint/2010/main" val="2725477448"/>
+        <p14:creationId xmlns:p14="http://schemas.microsoft.com/office/powerpoint/2010/main" val="3667997308"/>
       </p:ext>
     </p:extLst>
   </p:cSld>
@@ -5960,7 +5723,7 @@
           <a:p>
             <a:r>
               <a:rPr kumimoji="1" lang="ja-JP" altLang="en-US" dirty="0"/>
-              <a:t>クラスの例</a:t>
+              <a:t>クラスの本体</a:t>
             </a:r>
           </a:p>
         </p:txBody>
@@ -5990,7 +5753,7 @@
           <a:p>
             <a:r>
               <a:rPr kumimoji="1" lang="en-US" altLang="ja-JP" dirty="0"/>
-              <a:t>main.cpp</a:t>
+              <a:t>car.cpp</a:t>
             </a:r>
             <a:br>
               <a:rPr lang="en-US" altLang="ja-JP" dirty="0"/>
@@ -6051,7 +5814,7 @@
         <p:spPr>
           <a:xfrm>
             <a:off x="1048254" y="1942532"/>
-            <a:ext cx="10768607" cy="5016758"/>
+            <a:ext cx="10768607" cy="4524315"/>
           </a:xfrm>
           <a:prstGeom prst="rect">
             <a:avLst/>
@@ -6074,127 +5837,228 @@
               <a:t>#include “</a:t>
             </a:r>
             <a:r>
+              <a:rPr kumimoji="1" lang="en-US" altLang="ja-JP" sz="3200" dirty="0" err="1"/>
+              <a:t>car.h</a:t>
+            </a:r>
+            <a:r>
+              <a:rPr kumimoji="1" lang="en-US" altLang="ja-JP" sz="3200" dirty="0"/>
+              <a:t>”</a:t>
+            </a:r>
+          </a:p>
+          <a:p>
+            <a:r>
+              <a:rPr kumimoji="1" lang="en-US" altLang="ja-JP" sz="3200" dirty="0"/>
+              <a:t>#include &lt;iostream&gt;</a:t>
+            </a:r>
+          </a:p>
+          <a:p>
+            <a:r>
+              <a:rPr kumimoji="1" lang="en-US" altLang="ja-JP" sz="3200" dirty="0"/>
+              <a:t>using namespace std;</a:t>
+            </a:r>
+            <a:br>
+              <a:rPr kumimoji="1" lang="en-US" altLang="ja-JP" sz="3200" dirty="0"/>
+            </a:br>
+            <a:br>
+              <a:rPr kumimoji="1" lang="en-US" altLang="ja-JP" sz="3200" dirty="0"/>
+            </a:br>
+            <a:r>
+              <a:rPr kumimoji="1" lang="en-US" altLang="ja-JP" sz="3200" dirty="0"/>
+              <a:t>void </a:t>
+            </a:r>
+            <a:r>
+              <a:rPr kumimoji="1" lang="en-US" altLang="ja-JP" sz="3200" dirty="0">
+                <a:solidFill>
+                  <a:srgbClr val="FF0000"/>
+                </a:solidFill>
+              </a:rPr>
+              <a:t>Car::</a:t>
+            </a:r>
+            <a:r>
+              <a:rPr kumimoji="1" lang="en-US" altLang="ja-JP" sz="3200" dirty="0">
+                <a:solidFill>
+                  <a:srgbClr val="00B0F0"/>
+                </a:solidFill>
+              </a:rPr>
+              <a:t>drive(double hour){</a:t>
+            </a:r>
+          </a:p>
+          <a:p>
+            <a:r>
+              <a:rPr kumimoji="1" lang="en-US" altLang="ja-JP" sz="3200" dirty="0"/>
+              <a:t>    </a:t>
+            </a:r>
+            <a:r>
               <a:rPr kumimoji="1" lang="en-US" altLang="ja-JP" sz="3200" dirty="0" err="1">
                 <a:solidFill>
                   <a:srgbClr val="00B050"/>
                 </a:solidFill>
               </a:rPr>
-              <a:t>car.h</a:t>
-            </a:r>
-            <a:r>
-              <a:rPr kumimoji="1" lang="en-US" altLang="ja-JP" sz="3200" dirty="0"/>
-              <a:t>”</a:t>
-            </a:r>
-          </a:p>
-          <a:p>
-            <a:r>
-              <a:rPr kumimoji="1" lang="en-US" altLang="ja-JP" sz="3200" dirty="0"/>
-              <a:t>#include &lt;iostream&gt;</a:t>
-            </a:r>
-          </a:p>
-          <a:p>
-            <a:r>
-              <a:rPr kumimoji="1" lang="en-US" altLang="ja-JP" sz="3200" dirty="0"/>
-              <a:t>using namespace std;</a:t>
-            </a:r>
-            <a:br>
-              <a:rPr kumimoji="1" lang="en-US" altLang="ja-JP" sz="3200" dirty="0"/>
-            </a:br>
-            <a:br>
-              <a:rPr kumimoji="1" lang="en-US" altLang="ja-JP" sz="3200" dirty="0"/>
-            </a:br>
-            <a:r>
-              <a:rPr kumimoji="1" lang="en-US" altLang="ja-JP" sz="3200" dirty="0"/>
-              <a:t>int main() {</a:t>
-            </a:r>
-          </a:p>
-          <a:p>
-            <a:r>
-              <a:rPr kumimoji="1" lang="en-US" altLang="ja-JP" sz="3200" dirty="0"/>
+              <a:t>cout</a:t>
+            </a:r>
+            <a:r>
+              <a:rPr kumimoji="1" lang="en-US" altLang="ja-JP" sz="3200" dirty="0">
+                <a:solidFill>
+                  <a:srgbClr val="00B050"/>
+                </a:solidFill>
+              </a:rPr>
+              <a:t> &lt;&lt; “</a:t>
+            </a:r>
+            <a:r>
+              <a:rPr kumimoji="1" lang="ja-JP" altLang="en-US" sz="3200" dirty="0">
+                <a:solidFill>
+                  <a:srgbClr val="00B050"/>
+                </a:solidFill>
+              </a:rPr>
+              <a:t>時速</a:t>
+            </a:r>
+            <a:r>
+              <a:rPr kumimoji="1" lang="en-US" altLang="ja-JP" sz="3200" dirty="0">
+                <a:solidFill>
+                  <a:srgbClr val="00B050"/>
+                </a:solidFill>
+              </a:rPr>
+              <a:t>” &lt;&lt; speed &lt;&lt; “km</a:t>
+            </a:r>
+            <a:r>
+              <a:rPr kumimoji="1" lang="ja-JP" altLang="en-US" sz="3200" dirty="0">
+                <a:solidFill>
+                  <a:srgbClr val="00B050"/>
+                </a:solidFill>
+              </a:rPr>
+              <a:t>で</a:t>
+            </a:r>
+            <a:r>
+              <a:rPr kumimoji="1" lang="en-US" altLang="ja-JP" sz="3200" dirty="0">
+                <a:solidFill>
+                  <a:srgbClr val="00B050"/>
+                </a:solidFill>
+              </a:rPr>
+              <a:t>” &lt;&lt;</a:t>
+            </a:r>
+            <a:br>
+              <a:rPr kumimoji="1" lang="en-US" altLang="ja-JP" sz="3200" dirty="0">
+                <a:solidFill>
+                  <a:srgbClr val="00B050"/>
+                </a:solidFill>
+              </a:rPr>
+            </a:br>
+            <a:r>
+              <a:rPr kumimoji="1" lang="en-US" altLang="ja-JP" sz="3200" dirty="0">
+                <a:solidFill>
+                  <a:srgbClr val="00B050"/>
+                </a:solidFill>
+              </a:rPr>
+              <a:t>         hour &lt;&lt; “</a:t>
+            </a:r>
+            <a:r>
+              <a:rPr kumimoji="1" lang="ja-JP" altLang="en-US" sz="3200" dirty="0">
+                <a:solidFill>
+                  <a:srgbClr val="00B050"/>
+                </a:solidFill>
+              </a:rPr>
+              <a:t>時間走行</a:t>
+            </a:r>
+            <a:r>
+              <a:rPr kumimoji="1" lang="en-US" altLang="ja-JP" sz="3200" dirty="0">
+                <a:solidFill>
+                  <a:srgbClr val="00B050"/>
+                </a:solidFill>
+              </a:rPr>
+              <a:t>” &lt;&lt; </a:t>
+            </a:r>
+            <a:r>
+              <a:rPr kumimoji="1" lang="en-US" altLang="ja-JP" sz="3200" dirty="0" err="1">
+                <a:solidFill>
+                  <a:srgbClr val="00B050"/>
+                </a:solidFill>
+              </a:rPr>
+              <a:t>endl</a:t>
+            </a:r>
+            <a:r>
+              <a:rPr kumimoji="1" lang="en-US" altLang="ja-JP" sz="3200" dirty="0">
+                <a:solidFill>
+                  <a:srgbClr val="00B050"/>
+                </a:solidFill>
+              </a:rPr>
+              <a:t>;</a:t>
+            </a:r>
+            <a:br>
+              <a:rPr kumimoji="1" lang="en-US" altLang="ja-JP" sz="3200" dirty="0">
+                <a:solidFill>
+                  <a:srgbClr val="00B050"/>
+                </a:solidFill>
+              </a:rPr>
+            </a:br>
+            <a:r>
+              <a:rPr kumimoji="1" lang="en-US" altLang="ja-JP" sz="3200" dirty="0">
+                <a:solidFill>
+                  <a:srgbClr val="00B050"/>
+                </a:solidFill>
+              </a:rPr>
               <a:t>    </a:t>
             </a:r>
             <a:r>
+              <a:rPr kumimoji="1" lang="en-US" altLang="ja-JP" sz="3200" dirty="0" err="1">
+                <a:solidFill>
+                  <a:srgbClr val="00B050"/>
+                </a:solidFill>
+              </a:rPr>
+              <a:t>cout</a:t>
+            </a:r>
+            <a:r>
               <a:rPr kumimoji="1" lang="en-US" altLang="ja-JP" sz="3200" dirty="0">
                 <a:solidFill>
-                  <a:srgbClr val="FF0000"/>
-                </a:solidFill>
-              </a:rPr>
-              <a:t>Car</a:t>
-            </a:r>
-            <a:r>
-              <a:rPr kumimoji="1" lang="en-US" altLang="ja-JP" sz="3200" dirty="0"/>
-              <a:t> </a:t>
+                  <a:srgbClr val="00B050"/>
+                </a:solidFill>
+              </a:rPr>
+              <a:t> &lt;&lt; speed*hour &lt;&lt; “km</a:t>
+            </a:r>
+            <a:r>
+              <a:rPr kumimoji="1" lang="ja-JP" altLang="en-US" sz="3200" dirty="0">
+                <a:solidFill>
+                  <a:srgbClr val="00B050"/>
+                </a:solidFill>
+              </a:rPr>
+              <a:t>移動</a:t>
+            </a:r>
+            <a:r>
+              <a:rPr kumimoji="1" lang="en-US" altLang="ja-JP" sz="3200" dirty="0">
+                <a:solidFill>
+                  <a:srgbClr val="00B050"/>
+                </a:solidFill>
+              </a:rPr>
+              <a:t>”&lt;&lt; </a:t>
             </a:r>
             <a:r>
               <a:rPr kumimoji="1" lang="en-US" altLang="ja-JP" sz="3200" dirty="0" err="1">
                 <a:solidFill>
+                  <a:srgbClr val="00B050"/>
+                </a:solidFill>
+              </a:rPr>
+              <a:t>endl</a:t>
+            </a:r>
+            <a:r>
+              <a:rPr kumimoji="1" lang="en-US" altLang="ja-JP" sz="3200" dirty="0">
+                <a:solidFill>
+                  <a:srgbClr val="00B050"/>
+                </a:solidFill>
+              </a:rPr>
+              <a:t>;</a:t>
+            </a:r>
+            <a:br>
+              <a:rPr kumimoji="1" lang="en-US" altLang="ja-JP" sz="3200" dirty="0">
+                <a:solidFill>
+                  <a:srgbClr val="00B050"/>
+                </a:solidFill>
+              </a:rPr>
+            </a:br>
+            <a:r>
+              <a:rPr kumimoji="1" lang="en-US" altLang="ja-JP" sz="3200" dirty="0">
+                <a:solidFill>
                   <a:srgbClr val="00B0F0"/>
                 </a:solidFill>
               </a:rPr>
-              <a:t>kuruma</a:t>
-            </a:r>
-            <a:r>
-              <a:rPr kumimoji="1" lang="en-US" altLang="ja-JP" sz="3200" dirty="0"/>
-              <a:t>;		</a:t>
-            </a:r>
-            <a:br>
-              <a:rPr kumimoji="1" lang="en-US" altLang="ja-JP" sz="3200" dirty="0"/>
-            </a:br>
-            <a:r>
-              <a:rPr kumimoji="1" lang="en-US" altLang="ja-JP" sz="3200" dirty="0"/>
-              <a:t>    </a:t>
-            </a:r>
-            <a:r>
-              <a:rPr kumimoji="1" lang="en-US" altLang="ja-JP" sz="3200" dirty="0" err="1">
-                <a:solidFill>
-                  <a:srgbClr val="00B0F0"/>
-                </a:solidFill>
-              </a:rPr>
-              <a:t>kuruma</a:t>
-            </a:r>
-            <a:r>
-              <a:rPr kumimoji="1" lang="en-US" altLang="ja-JP" sz="3200" dirty="0" err="1"/>
-              <a:t>.speed</a:t>
-            </a:r>
-            <a:r>
-              <a:rPr kumimoji="1" lang="en-US" altLang="ja-JP" sz="3200" dirty="0"/>
-              <a:t> = 40;</a:t>
-            </a:r>
-            <a:br>
-              <a:rPr kumimoji="1" lang="en-US" altLang="ja-JP" sz="3200" dirty="0"/>
-            </a:br>
-            <a:r>
-              <a:rPr kumimoji="1" lang="en-US" altLang="ja-JP" sz="3200" dirty="0"/>
-              <a:t>    </a:t>
-            </a:r>
-            <a:r>
-              <a:rPr kumimoji="1" lang="en-US" altLang="ja-JP" sz="3200" dirty="0" err="1">
-                <a:solidFill>
-                  <a:srgbClr val="00B0F0"/>
-                </a:solidFill>
-              </a:rPr>
-              <a:t>kuruma</a:t>
-            </a:r>
-            <a:r>
-              <a:rPr kumimoji="1" lang="en-US" altLang="ja-JP" sz="3200" dirty="0" err="1"/>
-              <a:t>.drive</a:t>
-            </a:r>
-            <a:r>
-              <a:rPr kumimoji="1" lang="en-US" altLang="ja-JP" sz="3200" dirty="0"/>
-              <a:t>(1.5);</a:t>
-            </a:r>
-            <a:br>
-              <a:rPr kumimoji="1" lang="en-US" altLang="ja-JP" sz="3200" dirty="0"/>
-            </a:br>
-            <a:r>
-              <a:rPr kumimoji="1" lang="en-US" altLang="ja-JP" sz="3200" dirty="0"/>
-              <a:t>    return 0;</a:t>
-            </a:r>
-            <a:br>
-              <a:rPr kumimoji="1" lang="en-US" altLang="ja-JP" sz="3200" dirty="0"/>
-            </a:br>
-            <a:r>
-              <a:rPr kumimoji="1" lang="en-US" altLang="ja-JP" sz="3200" dirty="0"/>
               <a:t>}</a:t>
             </a:r>
           </a:p>
@@ -6205,7 +6069,7 @@
           <p:cNvPr id="4" name="テキスト ボックス 3">
             <a:extLst>
               <a:ext uri="{FF2B5EF4-FFF2-40B4-BE49-F238E27FC236}">
-                <a16:creationId xmlns:a16="http://schemas.microsoft.com/office/drawing/2014/main" id="{210FC29B-8F64-4D4C-1FA9-B5034C653720}"/>
+                <a16:creationId xmlns:a16="http://schemas.microsoft.com/office/drawing/2014/main" id="{38F1AC6E-9ED9-DA7E-3CEB-55F87EDB838E}"/>
               </a:ext>
             </a:extLst>
           </p:cNvPr>
@@ -6214,8 +6078,8 @@
         </p:nvSpPr>
         <p:spPr>
           <a:xfrm>
-            <a:off x="6558224" y="4192226"/>
-            <a:ext cx="5258637" cy="954107"/>
+            <a:off x="6577360" y="3035196"/>
+            <a:ext cx="5449555" cy="830997"/>
           </a:xfrm>
           <a:prstGeom prst="rect">
             <a:avLst/>
@@ -6225,7 +6089,7 @@
           </a:solidFill>
           <a:ln w="28575">
             <a:solidFill>
-              <a:srgbClr val="FF0000"/>
+              <a:srgbClr val="00B0F0"/>
             </a:solidFill>
           </a:ln>
         </p:spPr>
@@ -6236,54 +6100,14 @@
           <a:lstStyle/>
           <a:p>
             <a:r>
-              <a:rPr kumimoji="1" lang="en-US" altLang="ja-JP" sz="2800" b="1" dirty="0">
-                <a:solidFill>
-                  <a:srgbClr val="FF0000"/>
-                </a:solidFill>
-              </a:rPr>
-              <a:t>Car</a:t>
-            </a:r>
-            <a:r>
-              <a:rPr kumimoji="1" lang="ja-JP" altLang="en-US" sz="2800" dirty="0"/>
-              <a:t>クラスの</a:t>
-            </a:r>
-            <a:r>
-              <a:rPr kumimoji="1" lang="ja-JP" altLang="en-US" sz="2800" b="1" dirty="0">
-                <a:solidFill>
-                  <a:srgbClr val="FF00FF"/>
-                </a:solidFill>
-              </a:rPr>
-              <a:t>インスタンス</a:t>
-            </a:r>
-            <a:r>
-              <a:rPr kumimoji="1" lang="ja-JP" altLang="en-US" sz="2800" dirty="0"/>
-              <a:t>として</a:t>
-            </a:r>
-            <a:r>
-              <a:rPr kumimoji="1" lang="en-US" altLang="ja-JP" sz="2800" b="1" dirty="0" err="1">
-                <a:solidFill>
-                  <a:srgbClr val="00B0F0"/>
-                </a:solidFill>
-              </a:rPr>
-              <a:t>kuruma</a:t>
-            </a:r>
-            <a:r>
-              <a:rPr kumimoji="1" lang="ja-JP" altLang="en-US" sz="2800" dirty="0"/>
-              <a:t>という</a:t>
-            </a:r>
-            <a:r>
-              <a:rPr kumimoji="1" lang="ja-JP" altLang="en-US" sz="2800" b="1" dirty="0">
-                <a:solidFill>
-                  <a:srgbClr val="FF00FF"/>
-                </a:solidFill>
-              </a:rPr>
-              <a:t>実体</a:t>
-            </a:r>
-            <a:r>
-              <a:rPr kumimoji="1" lang="ja-JP" altLang="en-US" sz="2800" dirty="0"/>
-              <a:t>を生成</a:t>
-            </a:r>
-            <a:endParaRPr kumimoji="1" lang="en-US" altLang="ja-JP" sz="2800" dirty="0"/>
+              <a:rPr kumimoji="1" lang="en-US" altLang="ja-JP" sz="2400" dirty="0" err="1"/>
+              <a:t>car.h</a:t>
+            </a:r>
+            <a:r>
+              <a:rPr kumimoji="1" lang="ja-JP" altLang="en-US" sz="2400" dirty="0"/>
+              <a:t>で定義したメンバ関数の実際の処理を記述</a:t>
+            </a:r>
+            <a:endParaRPr kumimoji="1" lang="en-US" altLang="ja-JP" sz="2400" dirty="0"/>
           </a:p>
         </p:txBody>
       </p:sp>
@@ -6292,7 +6116,7 @@
           <p:cNvPr id="6" name="矢印: 右 5">
             <a:extLst>
               <a:ext uri="{FF2B5EF4-FFF2-40B4-BE49-F238E27FC236}">
-                <a16:creationId xmlns:a16="http://schemas.microsoft.com/office/drawing/2014/main" id="{B5C784BC-1614-8B36-B8F9-04090A32726A}"/>
+                <a16:creationId xmlns:a16="http://schemas.microsoft.com/office/drawing/2014/main" id="{338BB3E1-669C-2886-EB24-46B8F49A1D81}"/>
               </a:ext>
             </a:extLst>
           </p:cNvPr>
@@ -6300,9 +6124,9 @@
           <p:nvPr/>
         </p:nvSpPr>
         <p:spPr>
-          <a:xfrm flipH="1">
-            <a:off x="5024175" y="4453534"/>
-            <a:ext cx="1396721" cy="431493"/>
+          <a:xfrm rot="19471605" flipH="1">
+            <a:off x="5752558" y="3506547"/>
+            <a:ext cx="723482" cy="431493"/>
           </a:xfrm>
           <a:prstGeom prst="rightArrow">
             <a:avLst/>
@@ -6331,10 +6155,128 @@
           </a:p>
         </p:txBody>
       </p:sp>
+      <p:sp>
+        <p:nvSpPr>
+          <p:cNvPr id="7" name="テキスト ボックス 6">
+            <a:extLst>
+              <a:ext uri="{FF2B5EF4-FFF2-40B4-BE49-F238E27FC236}">
+                <a16:creationId xmlns:a16="http://schemas.microsoft.com/office/drawing/2014/main" id="{0085F3F3-A9B9-A321-711D-C4AD9A6D6320}"/>
+              </a:ext>
+            </a:extLst>
+          </p:cNvPr>
+          <p:cNvSpPr txBox="1"/>
+          <p:nvPr/>
+        </p:nvSpPr>
+        <p:spPr>
+          <a:xfrm>
+            <a:off x="628146" y="2619697"/>
+            <a:ext cx="3834520" cy="830997"/>
+          </a:xfrm>
+          <a:prstGeom prst="rect">
+            <a:avLst/>
+          </a:prstGeom>
+          <a:solidFill>
+            <a:schemeClr val="bg1"/>
+          </a:solidFill>
+          <a:ln w="28575">
+            <a:solidFill>
+              <a:srgbClr val="FF0000"/>
+            </a:solidFill>
+          </a:ln>
+        </p:spPr>
+        <p:txBody>
+          <a:bodyPr wrap="square" rtlCol="0">
+            <a:spAutoFit/>
+          </a:bodyPr>
+          <a:lstStyle/>
+          <a:p>
+            <a:r>
+              <a:rPr kumimoji="1" lang="en-US" altLang="ja-JP" sz="2400" dirty="0"/>
+              <a:t>【</a:t>
+            </a:r>
+            <a:r>
+              <a:rPr kumimoji="1" lang="en-US" altLang="ja-JP" sz="2400" dirty="0">
+                <a:solidFill>
+                  <a:srgbClr val="FF0000"/>
+                </a:solidFill>
+              </a:rPr>
+              <a:t>Car::</a:t>
+            </a:r>
+            <a:r>
+              <a:rPr kumimoji="1" lang="en-US" altLang="ja-JP" sz="2400" dirty="0"/>
+              <a:t>】</a:t>
+            </a:r>
+            <a:r>
+              <a:rPr kumimoji="1" lang="ja-JP" altLang="en-US" sz="2400" dirty="0"/>
+              <a:t>で</a:t>
+            </a:r>
+            <a:r>
+              <a:rPr kumimoji="1" lang="en-US" altLang="ja-JP" sz="2400" dirty="0"/>
+              <a:t>Car</a:t>
+            </a:r>
+            <a:r>
+              <a:rPr kumimoji="1" lang="ja-JP" altLang="en-US" sz="2400" dirty="0"/>
+              <a:t>クラスで</a:t>
+            </a:r>
+            <a:endParaRPr kumimoji="1" lang="en-US" altLang="ja-JP" sz="2400" dirty="0"/>
+          </a:p>
+          <a:p>
+            <a:r>
+              <a:rPr kumimoji="1" lang="ja-JP" altLang="en-US" sz="2400" dirty="0"/>
+              <a:t>定義されていることを表す</a:t>
+            </a:r>
+            <a:endParaRPr kumimoji="1" lang="en-US" altLang="ja-JP" sz="2400" dirty="0"/>
+          </a:p>
+        </p:txBody>
+      </p:sp>
+      <p:sp>
+        <p:nvSpPr>
+          <p:cNvPr id="8" name="矢印: 右 7">
+            <a:extLst>
+              <a:ext uri="{FF2B5EF4-FFF2-40B4-BE49-F238E27FC236}">
+                <a16:creationId xmlns:a16="http://schemas.microsoft.com/office/drawing/2014/main" id="{29CC1571-9EFD-B67E-91E8-971EAD9BC9BA}"/>
+              </a:ext>
+            </a:extLst>
+          </p:cNvPr>
+          <p:cNvSpPr/>
+          <p:nvPr/>
+        </p:nvSpPr>
+        <p:spPr>
+          <a:xfrm rot="16200000" flipH="1">
+            <a:off x="2489568" y="3522303"/>
+            <a:ext cx="462561" cy="431493"/>
+          </a:xfrm>
+          <a:prstGeom prst="rightArrow">
+            <a:avLst/>
+          </a:prstGeom>
+        </p:spPr>
+        <p:style>
+          <a:lnRef idx="1">
+            <a:schemeClr val="accent2"/>
+          </a:lnRef>
+          <a:fillRef idx="2">
+            <a:schemeClr val="accent2"/>
+          </a:fillRef>
+          <a:effectRef idx="1">
+            <a:schemeClr val="accent2"/>
+          </a:effectRef>
+          <a:fontRef idx="minor">
+            <a:schemeClr val="dk1"/>
+          </a:fontRef>
+        </p:style>
+        <p:txBody>
+          <a:bodyPr rtlCol="0" anchor="ctr"/>
+          <a:lstStyle/>
+          <a:p>
+            <a:pPr algn="ctr"/>
+            <a:endParaRPr kumimoji="1" lang="ja-JP" altLang="en-US"/>
+          </a:p>
+        </p:txBody>
+      </p:sp>
     </p:spTree>
     <p:extLst>
       <p:ext uri="{BB962C8B-B14F-4D97-AF65-F5344CB8AC3E}">
-        <p14:creationId xmlns:p14="http://schemas.microsoft.com/office/powerpoint/2010/main" val="1147009723"/>
+        <p14:creationId xmlns:p14="http://schemas.microsoft.com/office/powerpoint/2010/main" val="2725477448"/>
       </p:ext>
     </p:extLst>
   </p:cSld>
@@ -6559,11 +6501,14 @@
             </a:r>
             <a:r>
               <a:rPr kumimoji="1" lang="en-US" altLang="ja-JP" sz="3200" dirty="0"/>
-              <a:t>;          </a:t>
-            </a:r>
-            <a:r>
-              <a:rPr kumimoji="1" lang="ja-JP" altLang="en-US" sz="3200" dirty="0"/>
-              <a:t>　</a:t>
+              <a:t>;		</a:t>
+            </a:r>
+            <a:br>
+              <a:rPr kumimoji="1" lang="en-US" altLang="ja-JP" sz="3200" dirty="0"/>
+            </a:br>
+            <a:r>
+              <a:rPr kumimoji="1" lang="en-US" altLang="ja-JP" sz="3200" dirty="0"/>
+              <a:t>    </a:t>
             </a:r>
             <a:r>
               <a:rPr kumimoji="1" lang="en-US" altLang="ja-JP" sz="3200" dirty="0" err="1">
@@ -6574,8 +6519,12 @@
               <a:t>kuruma</a:t>
             </a:r>
             <a:r>
-              <a:rPr kumimoji="1" lang="ja-JP" altLang="en-US" sz="3200" dirty="0"/>
-              <a:t>の</a:t>
+              <a:rPr kumimoji="1" lang="en-US" altLang="ja-JP" sz="3200" dirty="0" err="1"/>
+              <a:t>.speed</a:t>
+            </a:r>
+            <a:r>
+              <a:rPr kumimoji="1" lang="en-US" altLang="ja-JP" sz="3200" dirty="0"/>
+              <a:t> = 40;</a:t>
             </a:r>
             <a:br>
               <a:rPr kumimoji="1" lang="en-US" altLang="ja-JP" sz="3200" dirty="0"/>
@@ -6594,94 +6543,11 @@
             </a:r>
             <a:r>
               <a:rPr kumimoji="1" lang="en-US" altLang="ja-JP" sz="3200" dirty="0" err="1"/>
-              <a:t>.</a:t>
-            </a:r>
-            <a:r>
-              <a:rPr kumimoji="1" lang="en-US" altLang="ja-JP" sz="3200" dirty="0" err="1">
-                <a:solidFill>
-                  <a:srgbClr val="FF00FF"/>
-                </a:solidFill>
-              </a:rPr>
-              <a:t>speed</a:t>
-            </a:r>
-            <a:r>
-              <a:rPr kumimoji="1" lang="en-US" altLang="ja-JP" sz="3200" dirty="0"/>
-              <a:t> = 40;	  </a:t>
-            </a:r>
-            <a:r>
-              <a:rPr kumimoji="1" lang="ja-JP" altLang="en-US" sz="3200" dirty="0">
-                <a:solidFill>
-                  <a:srgbClr val="FF00FF"/>
-                </a:solidFill>
-              </a:rPr>
-              <a:t>メンバ変数</a:t>
-            </a:r>
-            <a:r>
-              <a:rPr kumimoji="1" lang="ja-JP" altLang="en-US" sz="3200" dirty="0"/>
-              <a:t>へ値を代入</a:t>
-            </a:r>
-            <a:br>
-              <a:rPr kumimoji="1" lang="en-US" altLang="ja-JP" sz="3200" dirty="0"/>
-            </a:br>
-            <a:r>
-              <a:rPr kumimoji="1" lang="en-US" altLang="ja-JP" sz="3200" dirty="0"/>
-              <a:t>    </a:t>
-            </a:r>
-            <a:r>
-              <a:rPr kumimoji="1" lang="en-US" altLang="ja-JP" sz="3200" dirty="0" err="1">
-                <a:solidFill>
-                  <a:srgbClr val="00B0F0"/>
-                </a:solidFill>
-              </a:rPr>
-              <a:t>kuruma</a:t>
-            </a:r>
-            <a:r>
-              <a:rPr kumimoji="1" lang="en-US" altLang="ja-JP" sz="3200" dirty="0" err="1"/>
-              <a:t>.</a:t>
-            </a:r>
-            <a:r>
-              <a:rPr kumimoji="1" lang="en-US" altLang="ja-JP" sz="3200" dirty="0" err="1">
-                <a:solidFill>
-                  <a:srgbClr val="00B050"/>
-                </a:solidFill>
-              </a:rPr>
-              <a:t>drive</a:t>
-            </a:r>
-            <a:r>
-              <a:rPr kumimoji="1" lang="en-US" altLang="ja-JP" sz="3200" dirty="0">
-                <a:solidFill>
-                  <a:srgbClr val="00B050"/>
-                </a:solidFill>
-              </a:rPr>
-              <a:t>(</a:t>
-            </a:r>
-            <a:r>
-              <a:rPr kumimoji="1" lang="en-US" altLang="ja-JP" sz="3200" dirty="0"/>
-              <a:t>1.5</a:t>
-            </a:r>
-            <a:r>
-              <a:rPr kumimoji="1" lang="en-US" altLang="ja-JP" sz="3200" dirty="0">
-                <a:solidFill>
-                  <a:srgbClr val="00B050"/>
-                </a:solidFill>
-              </a:rPr>
-              <a:t>)</a:t>
-            </a:r>
-            <a:r>
-              <a:rPr kumimoji="1" lang="en-US" altLang="ja-JP" sz="3200" dirty="0"/>
-              <a:t>;	  </a:t>
-            </a:r>
-            <a:r>
-              <a:rPr kumimoji="1" lang="ja-JP" altLang="en-US" sz="3200" dirty="0">
-                <a:solidFill>
-                  <a:srgbClr val="00B050"/>
-                </a:solidFill>
-              </a:rPr>
-              <a:t>メンバ関数</a:t>
-            </a:r>
-            <a:r>
-              <a:rPr kumimoji="1" lang="ja-JP" altLang="en-US" sz="3200" dirty="0"/>
-              <a:t>を実行</a:t>
+              <a:t>.drive</a:t>
+            </a:r>
+            <a:r>
+              <a:rPr kumimoji="1" lang="en-US" altLang="ja-JP" sz="3200" dirty="0"/>
+              <a:t>(1.5);</a:t>
             </a:r>
             <a:br>
               <a:rPr kumimoji="1" lang="en-US" altLang="ja-JP" sz="3200" dirty="0"/>
@@ -6702,98 +6568,10 @@
       </p:sp>
       <p:sp>
         <p:nvSpPr>
-          <p:cNvPr id="4" name="矢印: 右 3">
+          <p:cNvPr id="4" name="テキスト ボックス 3">
             <a:extLst>
               <a:ext uri="{FF2B5EF4-FFF2-40B4-BE49-F238E27FC236}">
-                <a16:creationId xmlns:a16="http://schemas.microsoft.com/office/drawing/2014/main" id="{627C41F7-7970-EA3B-63C3-E971EE725457}"/>
-              </a:ext>
-            </a:extLst>
-          </p:cNvPr>
-          <p:cNvSpPr/>
-          <p:nvPr/>
-        </p:nvSpPr>
-        <p:spPr>
-          <a:xfrm flipH="1">
-            <a:off x="6672105" y="4951928"/>
-            <a:ext cx="723482" cy="431493"/>
-          </a:xfrm>
-          <a:prstGeom prst="rightArrow">
-            <a:avLst/>
-          </a:prstGeom>
-        </p:spPr>
-        <p:style>
-          <a:lnRef idx="1">
-            <a:schemeClr val="accent2"/>
-          </a:lnRef>
-          <a:fillRef idx="2">
-            <a:schemeClr val="accent2"/>
-          </a:fillRef>
-          <a:effectRef idx="1">
-            <a:schemeClr val="accent2"/>
-          </a:effectRef>
-          <a:fontRef idx="minor">
-            <a:schemeClr val="dk1"/>
-          </a:fontRef>
-        </p:style>
-        <p:txBody>
-          <a:bodyPr rtlCol="0" anchor="ctr"/>
-          <a:lstStyle/>
-          <a:p>
-            <a:pPr algn="ctr"/>
-            <a:endParaRPr kumimoji="1" lang="ja-JP" altLang="en-US"/>
-          </a:p>
-        </p:txBody>
-      </p:sp>
-      <p:sp>
-        <p:nvSpPr>
-          <p:cNvPr id="6" name="矢印: 右 5">
-            <a:extLst>
-              <a:ext uri="{FF2B5EF4-FFF2-40B4-BE49-F238E27FC236}">
-                <a16:creationId xmlns:a16="http://schemas.microsoft.com/office/drawing/2014/main" id="{9048BFDE-330A-2E4C-589B-115E0C447EDF}"/>
-              </a:ext>
-            </a:extLst>
-          </p:cNvPr>
-          <p:cNvSpPr/>
-          <p:nvPr/>
-        </p:nvSpPr>
-        <p:spPr>
-          <a:xfrm flipH="1">
-            <a:off x="6672105" y="5466906"/>
-            <a:ext cx="723482" cy="431493"/>
-          </a:xfrm>
-          <a:prstGeom prst="rightArrow">
-            <a:avLst/>
-          </a:prstGeom>
-        </p:spPr>
-        <p:style>
-          <a:lnRef idx="1">
-            <a:schemeClr val="accent6"/>
-          </a:lnRef>
-          <a:fillRef idx="2">
-            <a:schemeClr val="accent6"/>
-          </a:fillRef>
-          <a:effectRef idx="1">
-            <a:schemeClr val="accent6"/>
-          </a:effectRef>
-          <a:fontRef idx="minor">
-            <a:schemeClr val="dk1"/>
-          </a:fontRef>
-        </p:style>
-        <p:txBody>
-          <a:bodyPr rtlCol="0" anchor="ctr"/>
-          <a:lstStyle/>
-          <a:p>
-            <a:pPr algn="ctr"/>
-            <a:endParaRPr kumimoji="1" lang="ja-JP" altLang="en-US"/>
-          </a:p>
-        </p:txBody>
-      </p:sp>
-      <p:sp>
-        <p:nvSpPr>
-          <p:cNvPr id="7" name="テキスト ボックス 6">
-            <a:extLst>
-              <a:ext uri="{FF2B5EF4-FFF2-40B4-BE49-F238E27FC236}">
-                <a16:creationId xmlns:a16="http://schemas.microsoft.com/office/drawing/2014/main" id="{655590C8-A5E6-30FB-741A-FF5BACA748C3}"/>
+                <a16:creationId xmlns:a16="http://schemas.microsoft.com/office/drawing/2014/main" id="{210FC29B-8F64-4D4C-1FA9-B5034C653720}"/>
               </a:ext>
             </a:extLst>
           </p:cNvPr>
@@ -6802,8 +6580,8 @@
         </p:nvSpPr>
         <p:spPr>
           <a:xfrm>
-            <a:off x="1133061" y="3784759"/>
-            <a:ext cx="6262526" cy="954107"/>
+            <a:off x="6558224" y="4192226"/>
+            <a:ext cx="5258637" cy="954107"/>
           </a:xfrm>
           <a:prstGeom prst="rect">
             <a:avLst/>
@@ -6824,55 +6602,52 @@
           <a:lstStyle/>
           <a:p>
             <a:r>
-              <a:rPr kumimoji="1" lang="ja-JP" altLang="en-US" sz="2800" dirty="0">
+              <a:rPr kumimoji="1" lang="en-US" altLang="ja-JP" sz="2800" b="1" dirty="0">
+                <a:solidFill>
+                  <a:srgbClr val="FF0000"/>
+                </a:solidFill>
+              </a:rPr>
+              <a:t>Car</a:t>
+            </a:r>
+            <a:r>
+              <a:rPr kumimoji="1" lang="ja-JP" altLang="en-US" sz="2800" dirty="0"/>
+              <a:t>クラスの</a:t>
+            </a:r>
+            <a:r>
+              <a:rPr kumimoji="1" lang="ja-JP" altLang="en-US" sz="2800" b="1" dirty="0">
                 <a:solidFill>
                   <a:srgbClr val="FF00FF"/>
                 </a:solidFill>
               </a:rPr>
-              <a:t>メンバ変数</a:t>
+              <a:t>インスタンス</a:t>
             </a:r>
             <a:r>
               <a:rPr kumimoji="1" lang="ja-JP" altLang="en-US" sz="2800" dirty="0"/>
-              <a:t>や</a:t>
-            </a:r>
-            <a:r>
-              <a:rPr kumimoji="1" lang="ja-JP" altLang="en-US" sz="2800" dirty="0">
-                <a:solidFill>
-                  <a:srgbClr val="00B050"/>
-                </a:solidFill>
-              </a:rPr>
-              <a:t>メンバ関数</a:t>
+              <a:t>として</a:t>
+            </a:r>
+            <a:r>
+              <a:rPr kumimoji="1" lang="en-US" altLang="ja-JP" sz="2800" b="1" dirty="0" err="1">
+                <a:solidFill>
+                  <a:srgbClr val="00B0F0"/>
+                </a:solidFill>
+              </a:rPr>
+              <a:t>kuruma</a:t>
             </a:r>
             <a:r>
               <a:rPr kumimoji="1" lang="ja-JP" altLang="en-US" sz="2800" dirty="0"/>
-              <a:t>を使用する</a:t>
-            </a:r>
-            <a:br>
-              <a:rPr kumimoji="1" lang="en-US" altLang="ja-JP" sz="2800" dirty="0"/>
-            </a:br>
+              <a:t>という</a:t>
+            </a:r>
+            <a:r>
+              <a:rPr kumimoji="1" lang="ja-JP" altLang="en-US" sz="2800" b="1" dirty="0">
+                <a:solidFill>
+                  <a:srgbClr val="FF00FF"/>
+                </a:solidFill>
+              </a:rPr>
+              <a:t>実体</a:t>
+            </a:r>
             <a:r>
               <a:rPr kumimoji="1" lang="ja-JP" altLang="en-US" sz="2800" dirty="0"/>
-              <a:t>際は</a:t>
-            </a:r>
-            <a:r>
-              <a:rPr kumimoji="1" lang="ja-JP" altLang="en-US" sz="2800" dirty="0">
-                <a:solidFill>
-                  <a:srgbClr val="FF0000"/>
-                </a:solidFill>
-              </a:rPr>
-              <a:t>構造体</a:t>
-            </a:r>
-            <a:r>
-              <a:rPr kumimoji="1" lang="ja-JP" altLang="en-US" sz="2800" dirty="0"/>
-              <a:t>のときと同様に「</a:t>
-            </a:r>
-            <a:r>
-              <a:rPr kumimoji="1" lang="ja-JP" altLang="en-US" sz="2800" b="1" dirty="0"/>
-              <a:t>．</a:t>
-            </a:r>
-            <a:r>
-              <a:rPr kumimoji="1" lang="ja-JP" altLang="en-US" sz="2800" dirty="0"/>
-              <a:t>」を使う</a:t>
+              <a:t>を生成</a:t>
             </a:r>
             <a:endParaRPr kumimoji="1" lang="en-US" altLang="ja-JP" sz="2800" dirty="0"/>
           </a:p>
@@ -6880,10 +6655,10 @@
       </p:sp>
       <p:sp>
         <p:nvSpPr>
-          <p:cNvPr id="8" name="矢印: 右 7">
+          <p:cNvPr id="6" name="矢印: 右 5">
             <a:extLst>
               <a:ext uri="{FF2B5EF4-FFF2-40B4-BE49-F238E27FC236}">
-                <a16:creationId xmlns:a16="http://schemas.microsoft.com/office/drawing/2014/main" id="{38DF8FDF-3CB4-482F-0368-77F3C92FDD19}"/>
+                <a16:creationId xmlns:a16="http://schemas.microsoft.com/office/drawing/2014/main" id="{B5C784BC-1614-8B36-B8F9-04090A32726A}"/>
               </a:ext>
             </a:extLst>
           </p:cNvPr>
@@ -6891,9 +6666,9 @@
           <p:nvPr/>
         </p:nvSpPr>
         <p:spPr>
-          <a:xfrm rot="16200000" flipH="1">
-            <a:off x="3565924" y="4736182"/>
-            <a:ext cx="443864" cy="431493"/>
+          <a:xfrm flipH="1">
+            <a:off x="5024175" y="4453534"/>
+            <a:ext cx="1396721" cy="431493"/>
           </a:xfrm>
           <a:prstGeom prst="rightArrow">
             <a:avLst/>
@@ -6901,13 +6676,13 @@
         </p:spPr>
         <p:style>
           <a:lnRef idx="1">
-            <a:schemeClr val="accent2"/>
+            <a:schemeClr val="accent5"/>
           </a:lnRef>
           <a:fillRef idx="2">
-            <a:schemeClr val="accent2"/>
+            <a:schemeClr val="accent5"/>
           </a:fillRef>
           <a:effectRef idx="1">
-            <a:schemeClr val="accent2"/>
+            <a:schemeClr val="accent5"/>
           </a:effectRef>
           <a:fontRef idx="minor">
             <a:schemeClr val="dk1"/>
@@ -6925,7 +6700,7 @@
     </p:spTree>
     <p:extLst>
       <p:ext uri="{BB962C8B-B14F-4D97-AF65-F5344CB8AC3E}">
-        <p14:creationId xmlns:p14="http://schemas.microsoft.com/office/powerpoint/2010/main" val="3396465037"/>
+        <p14:creationId xmlns:p14="http://schemas.microsoft.com/office/powerpoint/2010/main" val="1147009723"/>
       </p:ext>
     </p:extLst>
   </p:cSld>
@@ -7066,6 +6841,655 @@
         <p:spPr>
           <a:xfrm>
             <a:off x="1048254" y="1942532"/>
+            <a:ext cx="10768607" cy="5016758"/>
+          </a:xfrm>
+          <a:prstGeom prst="rect">
+            <a:avLst/>
+          </a:prstGeom>
+          <a:noFill/>
+          <a:ln>
+            <a:solidFill>
+              <a:schemeClr val="tx1"/>
+            </a:solidFill>
+          </a:ln>
+        </p:spPr>
+        <p:txBody>
+          <a:bodyPr wrap="square" rtlCol="0">
+            <a:spAutoFit/>
+          </a:bodyPr>
+          <a:lstStyle/>
+          <a:p>
+            <a:r>
+              <a:rPr kumimoji="1" lang="en-US" altLang="ja-JP" sz="3200" dirty="0"/>
+              <a:t>#include “</a:t>
+            </a:r>
+            <a:r>
+              <a:rPr kumimoji="1" lang="en-US" altLang="ja-JP" sz="3200" dirty="0" err="1">
+                <a:solidFill>
+                  <a:srgbClr val="00B050"/>
+                </a:solidFill>
+              </a:rPr>
+              <a:t>car.h</a:t>
+            </a:r>
+            <a:r>
+              <a:rPr kumimoji="1" lang="en-US" altLang="ja-JP" sz="3200" dirty="0"/>
+              <a:t>”</a:t>
+            </a:r>
+          </a:p>
+          <a:p>
+            <a:r>
+              <a:rPr kumimoji="1" lang="en-US" altLang="ja-JP" sz="3200" dirty="0"/>
+              <a:t>#include &lt;iostream&gt;</a:t>
+            </a:r>
+          </a:p>
+          <a:p>
+            <a:r>
+              <a:rPr kumimoji="1" lang="en-US" altLang="ja-JP" sz="3200" dirty="0"/>
+              <a:t>using namespace std;</a:t>
+            </a:r>
+            <a:br>
+              <a:rPr kumimoji="1" lang="en-US" altLang="ja-JP" sz="3200" dirty="0"/>
+            </a:br>
+            <a:br>
+              <a:rPr kumimoji="1" lang="en-US" altLang="ja-JP" sz="3200" dirty="0"/>
+            </a:br>
+            <a:r>
+              <a:rPr kumimoji="1" lang="en-US" altLang="ja-JP" sz="3200" dirty="0"/>
+              <a:t>int main() {</a:t>
+            </a:r>
+          </a:p>
+          <a:p>
+            <a:r>
+              <a:rPr kumimoji="1" lang="en-US" altLang="ja-JP" sz="3200" dirty="0"/>
+              <a:t>    </a:t>
+            </a:r>
+            <a:r>
+              <a:rPr kumimoji="1" lang="en-US" altLang="ja-JP" sz="3200" dirty="0">
+                <a:solidFill>
+                  <a:srgbClr val="FF0000"/>
+                </a:solidFill>
+              </a:rPr>
+              <a:t>Car</a:t>
+            </a:r>
+            <a:r>
+              <a:rPr kumimoji="1" lang="en-US" altLang="ja-JP" sz="3200" dirty="0"/>
+              <a:t> </a:t>
+            </a:r>
+            <a:r>
+              <a:rPr kumimoji="1" lang="en-US" altLang="ja-JP" sz="3200" dirty="0" err="1">
+                <a:solidFill>
+                  <a:srgbClr val="00B0F0"/>
+                </a:solidFill>
+              </a:rPr>
+              <a:t>kuruma</a:t>
+            </a:r>
+            <a:r>
+              <a:rPr kumimoji="1" lang="en-US" altLang="ja-JP" sz="3200" dirty="0"/>
+              <a:t>;          </a:t>
+            </a:r>
+            <a:r>
+              <a:rPr kumimoji="1" lang="ja-JP" altLang="en-US" sz="3200" dirty="0"/>
+              <a:t>　</a:t>
+            </a:r>
+            <a:r>
+              <a:rPr kumimoji="1" lang="en-US" altLang="ja-JP" sz="3200" dirty="0" err="1">
+                <a:solidFill>
+                  <a:srgbClr val="00B0F0"/>
+                </a:solidFill>
+              </a:rPr>
+              <a:t>kuruma</a:t>
+            </a:r>
+            <a:r>
+              <a:rPr kumimoji="1" lang="ja-JP" altLang="en-US" sz="3200" dirty="0"/>
+              <a:t>の</a:t>
+            </a:r>
+            <a:br>
+              <a:rPr kumimoji="1" lang="en-US" altLang="ja-JP" sz="3200" dirty="0"/>
+            </a:br>
+            <a:r>
+              <a:rPr kumimoji="1" lang="en-US" altLang="ja-JP" sz="3200" dirty="0"/>
+              <a:t>    </a:t>
+            </a:r>
+            <a:r>
+              <a:rPr kumimoji="1" lang="en-US" altLang="ja-JP" sz="3200" dirty="0" err="1">
+                <a:solidFill>
+                  <a:srgbClr val="00B0F0"/>
+                </a:solidFill>
+              </a:rPr>
+              <a:t>kuruma</a:t>
+            </a:r>
+            <a:r>
+              <a:rPr kumimoji="1" lang="en-US" altLang="ja-JP" sz="3200" dirty="0" err="1"/>
+              <a:t>.</a:t>
+            </a:r>
+            <a:r>
+              <a:rPr kumimoji="1" lang="en-US" altLang="ja-JP" sz="3200" dirty="0" err="1">
+                <a:solidFill>
+                  <a:srgbClr val="FF00FF"/>
+                </a:solidFill>
+              </a:rPr>
+              <a:t>speed</a:t>
+            </a:r>
+            <a:r>
+              <a:rPr kumimoji="1" lang="en-US" altLang="ja-JP" sz="3200" dirty="0"/>
+              <a:t> = 40;	  </a:t>
+            </a:r>
+            <a:r>
+              <a:rPr kumimoji="1" lang="ja-JP" altLang="en-US" sz="3200" dirty="0">
+                <a:solidFill>
+                  <a:srgbClr val="FF00FF"/>
+                </a:solidFill>
+              </a:rPr>
+              <a:t>メンバ変数</a:t>
+            </a:r>
+            <a:r>
+              <a:rPr kumimoji="1" lang="ja-JP" altLang="en-US" sz="3200" dirty="0"/>
+              <a:t>へ値を代入</a:t>
+            </a:r>
+            <a:br>
+              <a:rPr kumimoji="1" lang="en-US" altLang="ja-JP" sz="3200" dirty="0"/>
+            </a:br>
+            <a:r>
+              <a:rPr kumimoji="1" lang="en-US" altLang="ja-JP" sz="3200" dirty="0"/>
+              <a:t>    </a:t>
+            </a:r>
+            <a:r>
+              <a:rPr kumimoji="1" lang="en-US" altLang="ja-JP" sz="3200" dirty="0" err="1">
+                <a:solidFill>
+                  <a:srgbClr val="00B0F0"/>
+                </a:solidFill>
+              </a:rPr>
+              <a:t>kuruma</a:t>
+            </a:r>
+            <a:r>
+              <a:rPr kumimoji="1" lang="en-US" altLang="ja-JP" sz="3200" dirty="0" err="1"/>
+              <a:t>.</a:t>
+            </a:r>
+            <a:r>
+              <a:rPr kumimoji="1" lang="en-US" altLang="ja-JP" sz="3200" dirty="0" err="1">
+                <a:solidFill>
+                  <a:srgbClr val="00B050"/>
+                </a:solidFill>
+              </a:rPr>
+              <a:t>drive</a:t>
+            </a:r>
+            <a:r>
+              <a:rPr kumimoji="1" lang="en-US" altLang="ja-JP" sz="3200" dirty="0">
+                <a:solidFill>
+                  <a:srgbClr val="00B050"/>
+                </a:solidFill>
+              </a:rPr>
+              <a:t>(</a:t>
+            </a:r>
+            <a:r>
+              <a:rPr kumimoji="1" lang="en-US" altLang="ja-JP" sz="3200" dirty="0"/>
+              <a:t>1.5</a:t>
+            </a:r>
+            <a:r>
+              <a:rPr kumimoji="1" lang="en-US" altLang="ja-JP" sz="3200" dirty="0">
+                <a:solidFill>
+                  <a:srgbClr val="00B050"/>
+                </a:solidFill>
+              </a:rPr>
+              <a:t>)</a:t>
+            </a:r>
+            <a:r>
+              <a:rPr kumimoji="1" lang="en-US" altLang="ja-JP" sz="3200" dirty="0"/>
+              <a:t>;	  </a:t>
+            </a:r>
+            <a:r>
+              <a:rPr kumimoji="1" lang="ja-JP" altLang="en-US" sz="3200" dirty="0">
+                <a:solidFill>
+                  <a:srgbClr val="00B050"/>
+                </a:solidFill>
+              </a:rPr>
+              <a:t>メンバ関数</a:t>
+            </a:r>
+            <a:r>
+              <a:rPr kumimoji="1" lang="ja-JP" altLang="en-US" sz="3200" dirty="0"/>
+              <a:t>を実行</a:t>
+            </a:r>
+            <a:br>
+              <a:rPr kumimoji="1" lang="en-US" altLang="ja-JP" sz="3200" dirty="0"/>
+            </a:br>
+            <a:r>
+              <a:rPr kumimoji="1" lang="en-US" altLang="ja-JP" sz="3200" dirty="0"/>
+              <a:t>    return 0;</a:t>
+            </a:r>
+            <a:br>
+              <a:rPr kumimoji="1" lang="en-US" altLang="ja-JP" sz="3200" dirty="0"/>
+            </a:br>
+            <a:r>
+              <a:rPr kumimoji="1" lang="en-US" altLang="ja-JP" sz="3200" dirty="0"/>
+              <a:t>}</a:t>
+            </a:r>
+          </a:p>
+        </p:txBody>
+      </p:sp>
+      <p:sp>
+        <p:nvSpPr>
+          <p:cNvPr id="4" name="矢印: 右 3">
+            <a:extLst>
+              <a:ext uri="{FF2B5EF4-FFF2-40B4-BE49-F238E27FC236}">
+                <a16:creationId xmlns:a16="http://schemas.microsoft.com/office/drawing/2014/main" id="{627C41F7-7970-EA3B-63C3-E971EE725457}"/>
+              </a:ext>
+            </a:extLst>
+          </p:cNvPr>
+          <p:cNvSpPr/>
+          <p:nvPr/>
+        </p:nvSpPr>
+        <p:spPr>
+          <a:xfrm flipH="1">
+            <a:off x="6672105" y="4951928"/>
+            <a:ext cx="723482" cy="431493"/>
+          </a:xfrm>
+          <a:prstGeom prst="rightArrow">
+            <a:avLst/>
+          </a:prstGeom>
+        </p:spPr>
+        <p:style>
+          <a:lnRef idx="1">
+            <a:schemeClr val="accent2"/>
+          </a:lnRef>
+          <a:fillRef idx="2">
+            <a:schemeClr val="accent2"/>
+          </a:fillRef>
+          <a:effectRef idx="1">
+            <a:schemeClr val="accent2"/>
+          </a:effectRef>
+          <a:fontRef idx="minor">
+            <a:schemeClr val="dk1"/>
+          </a:fontRef>
+        </p:style>
+        <p:txBody>
+          <a:bodyPr rtlCol="0" anchor="ctr"/>
+          <a:lstStyle/>
+          <a:p>
+            <a:pPr algn="ctr"/>
+            <a:endParaRPr kumimoji="1" lang="ja-JP" altLang="en-US"/>
+          </a:p>
+        </p:txBody>
+      </p:sp>
+      <p:sp>
+        <p:nvSpPr>
+          <p:cNvPr id="6" name="矢印: 右 5">
+            <a:extLst>
+              <a:ext uri="{FF2B5EF4-FFF2-40B4-BE49-F238E27FC236}">
+                <a16:creationId xmlns:a16="http://schemas.microsoft.com/office/drawing/2014/main" id="{9048BFDE-330A-2E4C-589B-115E0C447EDF}"/>
+              </a:ext>
+            </a:extLst>
+          </p:cNvPr>
+          <p:cNvSpPr/>
+          <p:nvPr/>
+        </p:nvSpPr>
+        <p:spPr>
+          <a:xfrm flipH="1">
+            <a:off x="6672105" y="5466906"/>
+            <a:ext cx="723482" cy="431493"/>
+          </a:xfrm>
+          <a:prstGeom prst="rightArrow">
+            <a:avLst/>
+          </a:prstGeom>
+        </p:spPr>
+        <p:style>
+          <a:lnRef idx="1">
+            <a:schemeClr val="accent6"/>
+          </a:lnRef>
+          <a:fillRef idx="2">
+            <a:schemeClr val="accent6"/>
+          </a:fillRef>
+          <a:effectRef idx="1">
+            <a:schemeClr val="accent6"/>
+          </a:effectRef>
+          <a:fontRef idx="minor">
+            <a:schemeClr val="dk1"/>
+          </a:fontRef>
+        </p:style>
+        <p:txBody>
+          <a:bodyPr rtlCol="0" anchor="ctr"/>
+          <a:lstStyle/>
+          <a:p>
+            <a:pPr algn="ctr"/>
+            <a:endParaRPr kumimoji="1" lang="ja-JP" altLang="en-US"/>
+          </a:p>
+        </p:txBody>
+      </p:sp>
+      <p:sp>
+        <p:nvSpPr>
+          <p:cNvPr id="7" name="テキスト ボックス 6">
+            <a:extLst>
+              <a:ext uri="{FF2B5EF4-FFF2-40B4-BE49-F238E27FC236}">
+                <a16:creationId xmlns:a16="http://schemas.microsoft.com/office/drawing/2014/main" id="{655590C8-A5E6-30FB-741A-FF5BACA748C3}"/>
+              </a:ext>
+            </a:extLst>
+          </p:cNvPr>
+          <p:cNvSpPr txBox="1"/>
+          <p:nvPr/>
+        </p:nvSpPr>
+        <p:spPr>
+          <a:xfrm>
+            <a:off x="1133061" y="3784759"/>
+            <a:ext cx="6262526" cy="954107"/>
+          </a:xfrm>
+          <a:prstGeom prst="rect">
+            <a:avLst/>
+          </a:prstGeom>
+          <a:solidFill>
+            <a:schemeClr val="bg1"/>
+          </a:solidFill>
+          <a:ln w="28575">
+            <a:solidFill>
+              <a:srgbClr val="FF0000"/>
+            </a:solidFill>
+          </a:ln>
+        </p:spPr>
+        <p:txBody>
+          <a:bodyPr wrap="square" rtlCol="0">
+            <a:spAutoFit/>
+          </a:bodyPr>
+          <a:lstStyle/>
+          <a:p>
+            <a:r>
+              <a:rPr kumimoji="1" lang="ja-JP" altLang="en-US" sz="2800" dirty="0">
+                <a:solidFill>
+                  <a:srgbClr val="FF00FF"/>
+                </a:solidFill>
+              </a:rPr>
+              <a:t>メンバ変数</a:t>
+            </a:r>
+            <a:r>
+              <a:rPr kumimoji="1" lang="ja-JP" altLang="en-US" sz="2800" dirty="0"/>
+              <a:t>や</a:t>
+            </a:r>
+            <a:r>
+              <a:rPr kumimoji="1" lang="ja-JP" altLang="en-US" sz="2800" dirty="0">
+                <a:solidFill>
+                  <a:srgbClr val="00B050"/>
+                </a:solidFill>
+              </a:rPr>
+              <a:t>メンバ関数</a:t>
+            </a:r>
+            <a:r>
+              <a:rPr kumimoji="1" lang="ja-JP" altLang="en-US" sz="2800" dirty="0"/>
+              <a:t>を使用する</a:t>
+            </a:r>
+            <a:br>
+              <a:rPr kumimoji="1" lang="en-US" altLang="ja-JP" sz="2800" dirty="0"/>
+            </a:br>
+            <a:r>
+              <a:rPr kumimoji="1" lang="ja-JP" altLang="en-US" sz="2800" dirty="0"/>
+              <a:t>際は</a:t>
+            </a:r>
+            <a:r>
+              <a:rPr kumimoji="1" lang="ja-JP" altLang="en-US" sz="2800" dirty="0">
+                <a:solidFill>
+                  <a:srgbClr val="FF0000"/>
+                </a:solidFill>
+              </a:rPr>
+              <a:t>構造体</a:t>
+            </a:r>
+            <a:r>
+              <a:rPr kumimoji="1" lang="ja-JP" altLang="en-US" sz="2800" dirty="0"/>
+              <a:t>のときと同様に「</a:t>
+            </a:r>
+            <a:r>
+              <a:rPr kumimoji="1" lang="ja-JP" altLang="en-US" sz="2800" b="1" dirty="0"/>
+              <a:t>．</a:t>
+            </a:r>
+            <a:r>
+              <a:rPr kumimoji="1" lang="ja-JP" altLang="en-US" sz="2800" dirty="0"/>
+              <a:t>」を使う</a:t>
+            </a:r>
+            <a:endParaRPr kumimoji="1" lang="en-US" altLang="ja-JP" sz="2800" dirty="0"/>
+          </a:p>
+        </p:txBody>
+      </p:sp>
+      <p:sp>
+        <p:nvSpPr>
+          <p:cNvPr id="8" name="矢印: 右 7">
+            <a:extLst>
+              <a:ext uri="{FF2B5EF4-FFF2-40B4-BE49-F238E27FC236}">
+                <a16:creationId xmlns:a16="http://schemas.microsoft.com/office/drawing/2014/main" id="{38DF8FDF-3CB4-482F-0368-77F3C92FDD19}"/>
+              </a:ext>
+            </a:extLst>
+          </p:cNvPr>
+          <p:cNvSpPr/>
+          <p:nvPr/>
+        </p:nvSpPr>
+        <p:spPr>
+          <a:xfrm rot="16200000" flipH="1">
+            <a:off x="3565924" y="4736182"/>
+            <a:ext cx="443864" cy="431493"/>
+          </a:xfrm>
+          <a:prstGeom prst="rightArrow">
+            <a:avLst/>
+          </a:prstGeom>
+        </p:spPr>
+        <p:style>
+          <a:lnRef idx="1">
+            <a:schemeClr val="accent2"/>
+          </a:lnRef>
+          <a:fillRef idx="2">
+            <a:schemeClr val="accent2"/>
+          </a:fillRef>
+          <a:effectRef idx="1">
+            <a:schemeClr val="accent2"/>
+          </a:effectRef>
+          <a:fontRef idx="minor">
+            <a:schemeClr val="dk1"/>
+          </a:fontRef>
+        </p:style>
+        <p:txBody>
+          <a:bodyPr rtlCol="0" anchor="ctr"/>
+          <a:lstStyle/>
+          <a:p>
+            <a:pPr algn="ctr"/>
+            <a:endParaRPr kumimoji="1" lang="ja-JP" altLang="en-US"/>
+          </a:p>
+        </p:txBody>
+      </p:sp>
+      <p:sp>
+        <p:nvSpPr>
+          <p:cNvPr id="9" name="テキスト ボックス 8">
+            <a:extLst>
+              <a:ext uri="{FF2B5EF4-FFF2-40B4-BE49-F238E27FC236}">
+                <a16:creationId xmlns:a16="http://schemas.microsoft.com/office/drawing/2014/main" id="{2F496286-85D1-4F20-925D-03129F3F081B}"/>
+              </a:ext>
+            </a:extLst>
+          </p:cNvPr>
+          <p:cNvSpPr txBox="1"/>
+          <p:nvPr/>
+        </p:nvSpPr>
+        <p:spPr>
+          <a:xfrm>
+            <a:off x="5302267" y="860257"/>
+            <a:ext cx="6283063" cy="1384995"/>
+          </a:xfrm>
+          <a:prstGeom prst="rect">
+            <a:avLst/>
+          </a:prstGeom>
+          <a:solidFill>
+            <a:schemeClr val="bg1"/>
+          </a:solidFill>
+          <a:ln w="28575">
+            <a:solidFill>
+              <a:srgbClr val="FF0000"/>
+            </a:solidFill>
+          </a:ln>
+        </p:spPr>
+        <p:txBody>
+          <a:bodyPr wrap="square" rtlCol="0">
+            <a:spAutoFit/>
+          </a:bodyPr>
+          <a:lstStyle/>
+          <a:p>
+            <a:r>
+              <a:rPr kumimoji="1" lang="en-US" altLang="ja-JP" sz="2800" b="1" dirty="0" err="1">
+                <a:solidFill>
+                  <a:srgbClr val="00B050"/>
+                </a:solidFill>
+              </a:rPr>
+              <a:t>car.h</a:t>
+            </a:r>
+            <a:r>
+              <a:rPr kumimoji="1" lang="ja-JP" altLang="en-US" sz="2800" dirty="0"/>
+              <a:t>に記述したメンバ変数／関数を</a:t>
+            </a:r>
+            <a:endParaRPr kumimoji="1" lang="en-US" altLang="ja-JP" sz="2800" dirty="0"/>
+          </a:p>
+          <a:p>
+            <a:r>
+              <a:rPr kumimoji="1" lang="ja-JP" altLang="en-US" sz="2800" dirty="0"/>
+              <a:t>使用するために読み込んでおく必要がある</a:t>
+            </a:r>
+            <a:endParaRPr kumimoji="1" lang="en-US" altLang="ja-JP" sz="2800" dirty="0"/>
+          </a:p>
+        </p:txBody>
+      </p:sp>
+    </p:spTree>
+    <p:extLst>
+      <p:ext uri="{BB962C8B-B14F-4D97-AF65-F5344CB8AC3E}">
+        <p14:creationId xmlns:p14="http://schemas.microsoft.com/office/powerpoint/2010/main" val="3396465037"/>
+      </p:ext>
+    </p:extLst>
+  </p:cSld>
+  <p:clrMapOvr>
+    <a:masterClrMapping/>
+  </p:clrMapOvr>
+</p:sld>
+</file>
+
+<file path=ppt/slides/slide18.xml><?xml version="1.0" encoding="utf-8"?>
+<p:sld xmlns:a="http://schemas.openxmlformats.org/drawingml/2006/main" xmlns:r="http://schemas.openxmlformats.org/officeDocument/2006/relationships" xmlns:p="http://schemas.openxmlformats.org/presentationml/2006/main">
+  <p:cSld>
+    <p:spTree>
+      <p:nvGrpSpPr>
+        <p:cNvPr id="1" name=""/>
+        <p:cNvGrpSpPr/>
+        <p:nvPr/>
+      </p:nvGrpSpPr>
+      <p:grpSpPr>
+        <a:xfrm>
+          <a:off x="0" y="0"/>
+          <a:ext cx="0" cy="0"/>
+          <a:chOff x="0" y="0"/>
+          <a:chExt cx="0" cy="0"/>
+        </a:xfrm>
+      </p:grpSpPr>
+      <p:sp>
+        <p:nvSpPr>
+          <p:cNvPr id="2" name="タイトル 1">
+            <a:extLst>
+              <a:ext uri="{FF2B5EF4-FFF2-40B4-BE49-F238E27FC236}">
+                <a16:creationId xmlns:a16="http://schemas.microsoft.com/office/drawing/2014/main" id="{F11F3668-F205-48C5-AC01-19611EFE561B}"/>
+              </a:ext>
+            </a:extLst>
+          </p:cNvPr>
+          <p:cNvSpPr>
+            <a:spLocks noGrp="1"/>
+          </p:cNvSpPr>
+          <p:nvPr>
+            <p:ph type="title"/>
+          </p:nvPr>
+        </p:nvSpPr>
+        <p:spPr/>
+        <p:txBody>
+          <a:bodyPr/>
+          <a:lstStyle/>
+          <a:p>
+            <a:r>
+              <a:rPr kumimoji="1" lang="ja-JP" altLang="en-US" dirty="0"/>
+              <a:t>クラスの例</a:t>
+            </a:r>
+          </a:p>
+        </p:txBody>
+      </p:sp>
+      <p:sp>
+        <p:nvSpPr>
+          <p:cNvPr id="3" name="コンテンツ プレースホルダー 2">
+            <a:extLst>
+              <a:ext uri="{FF2B5EF4-FFF2-40B4-BE49-F238E27FC236}">
+                <a16:creationId xmlns:a16="http://schemas.microsoft.com/office/drawing/2014/main" id="{64DBE417-57E9-44A6-BB52-B2F9986BB7B2}"/>
+              </a:ext>
+            </a:extLst>
+          </p:cNvPr>
+          <p:cNvSpPr>
+            <a:spLocks noGrp="1"/>
+          </p:cNvSpPr>
+          <p:nvPr>
+            <p:ph idx="1"/>
+          </p:nvPr>
+        </p:nvSpPr>
+        <p:spPr/>
+        <p:txBody>
+          <a:bodyPr>
+            <a:normAutofit/>
+          </a:bodyPr>
+          <a:lstStyle/>
+          <a:p>
+            <a:r>
+              <a:rPr kumimoji="1" lang="en-US" altLang="ja-JP" dirty="0"/>
+              <a:t>main.cpp</a:t>
+            </a:r>
+            <a:br>
+              <a:rPr lang="en-US" altLang="ja-JP" dirty="0"/>
+            </a:br>
+            <a:endParaRPr lang="en-US" altLang="ja-JP" dirty="0"/>
+          </a:p>
+          <a:p>
+            <a:pPr marL="0" indent="0">
+              <a:buNone/>
+            </a:pPr>
+            <a:br>
+              <a:rPr lang="en-US" altLang="ja-JP" dirty="0"/>
+            </a:br>
+            <a:br>
+              <a:rPr lang="en-US" altLang="ja-JP" dirty="0"/>
+            </a:br>
+            <a:br>
+              <a:rPr lang="en-US" altLang="ja-JP" dirty="0"/>
+            </a:br>
+            <a:br>
+              <a:rPr lang="en-US" altLang="ja-JP" sz="2400" dirty="0"/>
+            </a:br>
+            <a:br>
+              <a:rPr lang="en-US" altLang="ja-JP" sz="2400" dirty="0"/>
+            </a:br>
+            <a:endParaRPr lang="en-US" altLang="ja-JP" sz="2400" dirty="0"/>
+          </a:p>
+          <a:p>
+            <a:pPr marL="0" indent="0">
+              <a:buNone/>
+            </a:pPr>
+            <a:br>
+              <a:rPr lang="en-US" altLang="ja-JP" sz="2400" dirty="0"/>
+            </a:br>
+            <a:br>
+              <a:rPr lang="en-US" altLang="ja-JP" sz="2400" dirty="0"/>
+            </a:br>
+            <a:endParaRPr lang="en-US" altLang="ja-JP" dirty="0">
+              <a:solidFill>
+                <a:srgbClr val="FF0000"/>
+              </a:solidFill>
+            </a:endParaRPr>
+          </a:p>
+        </p:txBody>
+      </p:sp>
+      <p:sp>
+        <p:nvSpPr>
+          <p:cNvPr id="5" name="テキスト ボックス 4">
+            <a:extLst>
+              <a:ext uri="{FF2B5EF4-FFF2-40B4-BE49-F238E27FC236}">
+                <a16:creationId xmlns:a16="http://schemas.microsoft.com/office/drawing/2014/main" id="{9E32883C-0E37-4F07-9861-27609819CE8C}"/>
+              </a:ext>
+            </a:extLst>
+          </p:cNvPr>
+          <p:cNvSpPr txBox="1"/>
+          <p:nvPr/>
+        </p:nvSpPr>
+        <p:spPr>
+          <a:xfrm>
+            <a:off x="1048254" y="1942532"/>
             <a:ext cx="10768607" cy="4524315"/>
           </a:xfrm>
           <a:prstGeom prst="rect">
@@ -7357,6 +7781,289 @@
     <p:extLst>
       <p:ext uri="{BB962C8B-B14F-4D97-AF65-F5344CB8AC3E}">
         <p14:creationId xmlns:p14="http://schemas.microsoft.com/office/powerpoint/2010/main" val="1423912964"/>
+      </p:ext>
+    </p:extLst>
+  </p:cSld>
+  <p:clrMapOvr>
+    <a:masterClrMapping/>
+  </p:clrMapOvr>
+</p:sld>
+</file>
+
+<file path=ppt/slides/slide19.xml><?xml version="1.0" encoding="utf-8"?>
+<p:sld xmlns:a="http://schemas.openxmlformats.org/drawingml/2006/main" xmlns:r="http://schemas.openxmlformats.org/officeDocument/2006/relationships" xmlns:p="http://schemas.openxmlformats.org/presentationml/2006/main">
+  <p:cSld>
+    <p:spTree>
+      <p:nvGrpSpPr>
+        <p:cNvPr id="1" name=""/>
+        <p:cNvGrpSpPr/>
+        <p:nvPr/>
+      </p:nvGrpSpPr>
+      <p:grpSpPr>
+        <a:xfrm>
+          <a:off x="0" y="0"/>
+          <a:ext cx="0" cy="0"/>
+          <a:chOff x="0" y="0"/>
+          <a:chExt cx="0" cy="0"/>
+        </a:xfrm>
+      </p:grpSpPr>
+      <p:sp>
+        <p:nvSpPr>
+          <p:cNvPr id="2" name="タイトル 1">
+            <a:extLst>
+              <a:ext uri="{FF2B5EF4-FFF2-40B4-BE49-F238E27FC236}">
+                <a16:creationId xmlns:a16="http://schemas.microsoft.com/office/drawing/2014/main" id="{F11F3668-F205-48C5-AC01-19611EFE561B}"/>
+              </a:ext>
+            </a:extLst>
+          </p:cNvPr>
+          <p:cNvSpPr>
+            <a:spLocks noGrp="1"/>
+          </p:cNvSpPr>
+          <p:nvPr>
+            <p:ph type="title"/>
+          </p:nvPr>
+        </p:nvSpPr>
+        <p:spPr/>
+        <p:txBody>
+          <a:bodyPr/>
+          <a:lstStyle/>
+          <a:p>
+            <a:r>
+              <a:rPr kumimoji="1" lang="ja-JP" altLang="en-US" dirty="0"/>
+              <a:t>クラスの例</a:t>
+            </a:r>
+            <a:r>
+              <a:rPr lang="ja-JP" altLang="en-US" dirty="0"/>
+              <a:t>（</a:t>
+            </a:r>
+            <a:r>
+              <a:rPr lang="en-US" altLang="ja-JP" dirty="0"/>
+              <a:t>Vector2D</a:t>
+            </a:r>
+            <a:r>
+              <a:rPr lang="ja-JP" altLang="en-US" dirty="0"/>
+              <a:t>）</a:t>
+            </a:r>
+            <a:endParaRPr kumimoji="1" lang="ja-JP" altLang="en-US" dirty="0"/>
+          </a:p>
+        </p:txBody>
+      </p:sp>
+      <p:sp>
+        <p:nvSpPr>
+          <p:cNvPr id="3" name="コンテンツ プレースホルダー 2">
+            <a:extLst>
+              <a:ext uri="{FF2B5EF4-FFF2-40B4-BE49-F238E27FC236}">
+                <a16:creationId xmlns:a16="http://schemas.microsoft.com/office/drawing/2014/main" id="{64DBE417-57E9-44A6-BB52-B2F9986BB7B2}"/>
+              </a:ext>
+            </a:extLst>
+          </p:cNvPr>
+          <p:cNvSpPr>
+            <a:spLocks noGrp="1"/>
+          </p:cNvSpPr>
+          <p:nvPr>
+            <p:ph idx="1"/>
+          </p:nvPr>
+        </p:nvSpPr>
+        <p:spPr/>
+        <p:txBody>
+          <a:bodyPr>
+            <a:normAutofit lnSpcReduction="10000"/>
+          </a:bodyPr>
+          <a:lstStyle/>
+          <a:p>
+            <a:r>
+              <a:rPr kumimoji="1" lang="ja-JP" altLang="en-US" dirty="0"/>
+              <a:t>教科書</a:t>
+            </a:r>
+            <a:r>
+              <a:rPr kumimoji="1" lang="en-US" altLang="ja-JP" dirty="0"/>
+              <a:t>P106~109 </a:t>
+            </a:r>
+            <a:r>
+              <a:rPr lang="en-US" altLang="ja-JP" b="1" dirty="0"/>
+              <a:t>Example301</a:t>
+            </a:r>
+            <a:br>
+              <a:rPr lang="en-US" altLang="ja-JP" dirty="0"/>
+            </a:br>
+            <a:endParaRPr lang="en-US" altLang="ja-JP" dirty="0"/>
+          </a:p>
+          <a:p>
+            <a:r>
+              <a:rPr lang="en-US" altLang="ja-JP" dirty="0"/>
+              <a:t>C++</a:t>
+            </a:r>
+            <a:r>
+              <a:rPr lang="ja-JP" altLang="en-US" dirty="0"/>
+              <a:t>用フォルダに</a:t>
+            </a:r>
+            <a:r>
+              <a:rPr lang="en-US" altLang="ja-JP" b="1" dirty="0"/>
+              <a:t>Example301</a:t>
+            </a:r>
+            <a:r>
+              <a:rPr lang="ja-JP" altLang="en-US" dirty="0"/>
+              <a:t>フォルダを作成</a:t>
+            </a:r>
+            <a:br>
+              <a:rPr lang="en-US" altLang="ja-JP" dirty="0"/>
+            </a:br>
+            <a:r>
+              <a:rPr lang="en-US" altLang="ja-JP" dirty="0" err="1">
+                <a:solidFill>
+                  <a:srgbClr val="00B0F0"/>
+                </a:solidFill>
+              </a:rPr>
+              <a:t>mkdir</a:t>
+            </a:r>
+            <a:r>
+              <a:rPr lang="en-US" altLang="ja-JP" dirty="0">
+                <a:solidFill>
+                  <a:srgbClr val="00B0F0"/>
+                </a:solidFill>
+              </a:rPr>
+              <a:t> Example301</a:t>
+            </a:r>
+            <a:br>
+              <a:rPr lang="en-US" altLang="ja-JP" dirty="0"/>
+            </a:br>
+            <a:r>
+              <a:rPr lang="en-US" altLang="ja-JP" dirty="0">
+                <a:solidFill>
+                  <a:srgbClr val="00B0F0"/>
+                </a:solidFill>
+              </a:rPr>
+              <a:t>cd Example301</a:t>
+            </a:r>
+            <a:br>
+              <a:rPr lang="en-US" altLang="ja-JP" dirty="0"/>
+            </a:br>
+            <a:endParaRPr lang="en-US" altLang="ja-JP" dirty="0"/>
+          </a:p>
+          <a:p>
+            <a:r>
+              <a:rPr lang="en-US" altLang="ja-JP" dirty="0" err="1"/>
+              <a:t>car.h</a:t>
+            </a:r>
+            <a:r>
+              <a:rPr lang="ja-JP" altLang="en-US" dirty="0"/>
+              <a:t>、</a:t>
+            </a:r>
+            <a:r>
+              <a:rPr lang="en-US" altLang="ja-JP" dirty="0"/>
+              <a:t>car.cpp</a:t>
+            </a:r>
+            <a:r>
+              <a:rPr lang="ja-JP" altLang="en-US" dirty="0"/>
+              <a:t>、</a:t>
+            </a:r>
+            <a:r>
+              <a:rPr lang="en-US" altLang="ja-JP" dirty="0"/>
+              <a:t>main.cpp</a:t>
+            </a:r>
+            <a:r>
+              <a:rPr lang="ja-JP" altLang="en-US" dirty="0"/>
+              <a:t>を新規作成</a:t>
+            </a:r>
+            <a:br>
+              <a:rPr lang="en-US" altLang="ja-JP" dirty="0"/>
+            </a:br>
+            <a:r>
+              <a:rPr lang="en-US" altLang="ja-JP" dirty="0">
+                <a:solidFill>
+                  <a:srgbClr val="00B0F0"/>
+                </a:solidFill>
+              </a:rPr>
+              <a:t>copy </a:t>
+            </a:r>
+            <a:r>
+              <a:rPr lang="en-US" altLang="ja-JP" dirty="0" err="1">
+                <a:solidFill>
+                  <a:srgbClr val="00B0F0"/>
+                </a:solidFill>
+              </a:rPr>
+              <a:t>nul</a:t>
+            </a:r>
+            <a:r>
+              <a:rPr lang="en-US" altLang="ja-JP" dirty="0">
+                <a:solidFill>
+                  <a:srgbClr val="00B0F0"/>
+                </a:solidFill>
+              </a:rPr>
+              <a:t> vector2D.h</a:t>
+            </a:r>
+            <a:br>
+              <a:rPr lang="en-US" altLang="ja-JP" dirty="0">
+                <a:solidFill>
+                  <a:srgbClr val="00B0F0"/>
+                </a:solidFill>
+              </a:rPr>
+            </a:br>
+            <a:r>
+              <a:rPr lang="en-US" altLang="ja-JP" dirty="0">
+                <a:solidFill>
+                  <a:srgbClr val="00B0F0"/>
+                </a:solidFill>
+              </a:rPr>
+              <a:t>copy </a:t>
+            </a:r>
+            <a:r>
+              <a:rPr lang="en-US" altLang="ja-JP" dirty="0" err="1">
+                <a:solidFill>
+                  <a:srgbClr val="00B0F0"/>
+                </a:solidFill>
+              </a:rPr>
+              <a:t>nul</a:t>
+            </a:r>
+            <a:r>
+              <a:rPr lang="en-US" altLang="ja-JP" dirty="0">
+                <a:solidFill>
+                  <a:srgbClr val="00B0F0"/>
+                </a:solidFill>
+              </a:rPr>
+              <a:t> vector2D.cpp</a:t>
+            </a:r>
+            <a:br>
+              <a:rPr lang="en-US" altLang="ja-JP" dirty="0">
+                <a:solidFill>
+                  <a:srgbClr val="00B0F0"/>
+                </a:solidFill>
+              </a:rPr>
+            </a:br>
+            <a:r>
+              <a:rPr lang="en-US" altLang="ja-JP" dirty="0">
+                <a:solidFill>
+                  <a:srgbClr val="00B0F0"/>
+                </a:solidFill>
+              </a:rPr>
+              <a:t>copy </a:t>
+            </a:r>
+            <a:r>
+              <a:rPr lang="en-US" altLang="ja-JP" dirty="0" err="1">
+                <a:solidFill>
+                  <a:srgbClr val="00B0F0"/>
+                </a:solidFill>
+              </a:rPr>
+              <a:t>nul</a:t>
+            </a:r>
+            <a:r>
+              <a:rPr lang="en-US" altLang="ja-JP" dirty="0">
+                <a:solidFill>
+                  <a:srgbClr val="00B0F0"/>
+                </a:solidFill>
+              </a:rPr>
+              <a:t> main.cpp</a:t>
+            </a:r>
+          </a:p>
+          <a:p>
+            <a:endParaRPr lang="en-US" altLang="ja-JP" dirty="0"/>
+          </a:p>
+        </p:txBody>
+      </p:sp>
+    </p:spTree>
+    <p:extLst>
+      <p:ext uri="{BB962C8B-B14F-4D97-AF65-F5344CB8AC3E}">
+        <p14:creationId xmlns:p14="http://schemas.microsoft.com/office/powerpoint/2010/main" val="334816810"/>
       </p:ext>
     </p:extLst>
   </p:cSld>
@@ -7635,6 +8342,1697 @@
     <p:extLst>
       <p:ext uri="{BB962C8B-B14F-4D97-AF65-F5344CB8AC3E}">
         <p14:creationId xmlns:p14="http://schemas.microsoft.com/office/powerpoint/2010/main" val="779231533"/>
+      </p:ext>
+    </p:extLst>
+  </p:cSld>
+  <p:clrMapOvr>
+    <a:masterClrMapping/>
+  </p:clrMapOvr>
+</p:sld>
+</file>
+
+<file path=ppt/slides/slide20.xml><?xml version="1.0" encoding="utf-8"?>
+<p:sld xmlns:a="http://schemas.openxmlformats.org/drawingml/2006/main" xmlns:r="http://schemas.openxmlformats.org/officeDocument/2006/relationships" xmlns:p="http://schemas.openxmlformats.org/presentationml/2006/main">
+  <p:cSld>
+    <p:spTree>
+      <p:nvGrpSpPr>
+        <p:cNvPr id="1" name=""/>
+        <p:cNvGrpSpPr/>
+        <p:nvPr/>
+      </p:nvGrpSpPr>
+      <p:grpSpPr>
+        <a:xfrm>
+          <a:off x="0" y="0"/>
+          <a:ext cx="0" cy="0"/>
+          <a:chOff x="0" y="0"/>
+          <a:chExt cx="0" cy="0"/>
+        </a:xfrm>
+      </p:grpSpPr>
+      <p:sp>
+        <p:nvSpPr>
+          <p:cNvPr id="3" name="コンテンツ プレースホルダー 2">
+            <a:extLst>
+              <a:ext uri="{FF2B5EF4-FFF2-40B4-BE49-F238E27FC236}">
+                <a16:creationId xmlns:a16="http://schemas.microsoft.com/office/drawing/2014/main" id="{64DBE417-57E9-44A6-BB52-B2F9986BB7B2}"/>
+              </a:ext>
+            </a:extLst>
+          </p:cNvPr>
+          <p:cNvSpPr>
+            <a:spLocks noGrp="1"/>
+          </p:cNvSpPr>
+          <p:nvPr>
+            <p:ph idx="1"/>
+          </p:nvPr>
+        </p:nvSpPr>
+        <p:spPr/>
+        <p:txBody>
+          <a:bodyPr>
+            <a:normAutofit/>
+          </a:bodyPr>
+          <a:lstStyle/>
+          <a:p>
+            <a:r>
+              <a:rPr kumimoji="1" lang="en-US" altLang="ja-JP" dirty="0"/>
+              <a:t>vector2D.h</a:t>
+            </a:r>
+            <a:br>
+              <a:rPr lang="en-US" altLang="ja-JP" dirty="0"/>
+            </a:br>
+            <a:endParaRPr lang="en-US" altLang="ja-JP" dirty="0"/>
+          </a:p>
+          <a:p>
+            <a:pPr marL="0" indent="0">
+              <a:buNone/>
+            </a:pPr>
+            <a:br>
+              <a:rPr lang="en-US" altLang="ja-JP" dirty="0"/>
+            </a:br>
+            <a:br>
+              <a:rPr lang="en-US" altLang="ja-JP" dirty="0"/>
+            </a:br>
+            <a:br>
+              <a:rPr lang="en-US" altLang="ja-JP" dirty="0"/>
+            </a:br>
+            <a:br>
+              <a:rPr lang="en-US" altLang="ja-JP" sz="2400" dirty="0"/>
+            </a:br>
+            <a:br>
+              <a:rPr lang="en-US" altLang="ja-JP" sz="2400" dirty="0"/>
+            </a:br>
+            <a:endParaRPr lang="en-US" altLang="ja-JP" sz="2400" dirty="0"/>
+          </a:p>
+          <a:p>
+            <a:pPr marL="0" indent="0">
+              <a:buNone/>
+            </a:pPr>
+            <a:br>
+              <a:rPr lang="en-US" altLang="ja-JP" sz="2400" dirty="0"/>
+            </a:br>
+            <a:endParaRPr lang="en-US" altLang="ja-JP" dirty="0">
+              <a:solidFill>
+                <a:srgbClr val="FF0000"/>
+              </a:solidFill>
+            </a:endParaRPr>
+          </a:p>
+        </p:txBody>
+      </p:sp>
+      <p:sp>
+        <p:nvSpPr>
+          <p:cNvPr id="5" name="テキスト ボックス 4">
+            <a:extLst>
+              <a:ext uri="{FF2B5EF4-FFF2-40B4-BE49-F238E27FC236}">
+                <a16:creationId xmlns:a16="http://schemas.microsoft.com/office/drawing/2014/main" id="{9E32883C-0E37-4F07-9861-27609819CE8C}"/>
+              </a:ext>
+            </a:extLst>
+          </p:cNvPr>
+          <p:cNvSpPr txBox="1"/>
+          <p:nvPr/>
+        </p:nvSpPr>
+        <p:spPr>
+          <a:xfrm>
+            <a:off x="1048255" y="1942532"/>
+            <a:ext cx="10688220" cy="3539430"/>
+          </a:xfrm>
+          <a:prstGeom prst="rect">
+            <a:avLst/>
+          </a:prstGeom>
+          <a:noFill/>
+          <a:ln>
+            <a:solidFill>
+              <a:schemeClr val="tx1"/>
+            </a:solidFill>
+          </a:ln>
+        </p:spPr>
+        <p:txBody>
+          <a:bodyPr wrap="square" rtlCol="0">
+            <a:spAutoFit/>
+          </a:bodyPr>
+          <a:lstStyle/>
+          <a:p>
+            <a:r>
+              <a:rPr kumimoji="1" lang="en-US" altLang="ja-JP" sz="3200" dirty="0">
+                <a:solidFill>
+                  <a:srgbClr val="00B0F0"/>
+                </a:solidFill>
+              </a:rPr>
+              <a:t>#pragma once</a:t>
+            </a:r>
+            <a:r>
+              <a:rPr kumimoji="1" lang="ja-JP" altLang="en-US" sz="3200" dirty="0">
+                <a:solidFill>
+                  <a:srgbClr val="00B0F0"/>
+                </a:solidFill>
+              </a:rPr>
+              <a:t>　　　　　　</a:t>
+            </a:r>
+            <a:endParaRPr kumimoji="1" lang="en-US" altLang="ja-JP" sz="3200" dirty="0">
+              <a:solidFill>
+                <a:srgbClr val="00B050"/>
+              </a:solidFill>
+            </a:endParaRPr>
+          </a:p>
+          <a:p>
+            <a:r>
+              <a:rPr kumimoji="1" lang="ja-JP" altLang="en-US" sz="3200" dirty="0"/>
+              <a:t>　　　　　　　　　　　</a:t>
+            </a:r>
+            <a:endParaRPr kumimoji="1" lang="en-US" altLang="ja-JP" sz="3200" dirty="0"/>
+          </a:p>
+          <a:p>
+            <a:r>
+              <a:rPr kumimoji="1" lang="en-US" altLang="ja-JP" sz="3200" dirty="0"/>
+              <a:t>class </a:t>
+            </a:r>
+            <a:r>
+              <a:rPr kumimoji="1" lang="en-US" altLang="ja-JP" sz="3200" dirty="0">
+                <a:solidFill>
+                  <a:srgbClr val="FF0000"/>
+                </a:solidFill>
+              </a:rPr>
+              <a:t>Vector2D</a:t>
+            </a:r>
+            <a:r>
+              <a:rPr kumimoji="1" lang="en-US" altLang="ja-JP" sz="3200" dirty="0"/>
+              <a:t> {</a:t>
+            </a:r>
+            <a:r>
+              <a:rPr kumimoji="1" lang="ja-JP" altLang="en-US" sz="3200" dirty="0"/>
+              <a:t>　　　</a:t>
+            </a:r>
+            <a:endParaRPr kumimoji="1" lang="en-US" altLang="ja-JP" sz="3200" dirty="0">
+              <a:solidFill>
+                <a:srgbClr val="FF00FF"/>
+              </a:solidFill>
+            </a:endParaRPr>
+          </a:p>
+          <a:p>
+            <a:r>
+              <a:rPr kumimoji="1" lang="en-US" altLang="ja-JP" sz="3200" dirty="0"/>
+              <a:t>public:</a:t>
+            </a:r>
+            <a:r>
+              <a:rPr kumimoji="1" lang="ja-JP" altLang="en-US" sz="3200" dirty="0"/>
+              <a:t>　　　　</a:t>
+            </a:r>
+            <a:endParaRPr kumimoji="1" lang="en-US" altLang="ja-JP" sz="3200" dirty="0">
+              <a:solidFill>
+                <a:srgbClr val="0070C0"/>
+              </a:solidFill>
+            </a:endParaRPr>
+          </a:p>
+          <a:p>
+            <a:r>
+              <a:rPr kumimoji="1" lang="en-US" altLang="ja-JP" sz="3200" dirty="0"/>
+              <a:t>    double </a:t>
+            </a:r>
+            <a:r>
+              <a:rPr kumimoji="1" lang="en-US" altLang="ja-JP" sz="3200" dirty="0" err="1"/>
+              <a:t>x,y</a:t>
+            </a:r>
+            <a:r>
+              <a:rPr kumimoji="1" lang="en-US" altLang="ja-JP" sz="3200" dirty="0"/>
+              <a:t>; 				//</a:t>
+            </a:r>
+            <a:r>
+              <a:rPr kumimoji="1" lang="ja-JP" altLang="en-US" sz="3200" dirty="0"/>
+              <a:t>メンバ変数</a:t>
+            </a:r>
+            <a:endParaRPr kumimoji="1" lang="en-US" altLang="ja-JP" sz="3200" dirty="0"/>
+          </a:p>
+          <a:p>
+            <a:r>
+              <a:rPr kumimoji="1" lang="en-US" altLang="ja-JP" sz="3200" dirty="0"/>
+              <a:t>    double length();	//</a:t>
+            </a:r>
+            <a:r>
+              <a:rPr kumimoji="1" lang="ja-JP" altLang="en-US" sz="3200" dirty="0"/>
+              <a:t>メンバ関数</a:t>
+            </a:r>
+            <a:endParaRPr kumimoji="1" lang="en-US" altLang="ja-JP" sz="3200" dirty="0"/>
+          </a:p>
+          <a:p>
+            <a:r>
+              <a:rPr kumimoji="1" lang="en-US" altLang="ja-JP" sz="3200" dirty="0"/>
+              <a:t>};</a:t>
+            </a:r>
+            <a:endParaRPr kumimoji="1" lang="ja-JP" altLang="en-US" sz="3200" dirty="0"/>
+          </a:p>
+        </p:txBody>
+      </p:sp>
+      <p:sp>
+        <p:nvSpPr>
+          <p:cNvPr id="9" name="タイトル 1">
+            <a:extLst>
+              <a:ext uri="{FF2B5EF4-FFF2-40B4-BE49-F238E27FC236}">
+                <a16:creationId xmlns:a16="http://schemas.microsoft.com/office/drawing/2014/main" id="{D6AA7204-D9BE-403A-AD95-E47ABFABF31A}"/>
+              </a:ext>
+            </a:extLst>
+          </p:cNvPr>
+          <p:cNvSpPr>
+            <a:spLocks noGrp="1"/>
+          </p:cNvSpPr>
+          <p:nvPr>
+            <p:ph type="title"/>
+          </p:nvPr>
+        </p:nvSpPr>
+        <p:spPr>
+          <a:xfrm>
+            <a:off x="838200" y="365126"/>
+            <a:ext cx="10515600" cy="797850"/>
+          </a:xfrm>
+        </p:spPr>
+        <p:txBody>
+          <a:bodyPr/>
+          <a:lstStyle/>
+          <a:p>
+            <a:r>
+              <a:rPr kumimoji="1" lang="ja-JP" altLang="en-US" dirty="0"/>
+              <a:t>クラスの例</a:t>
+            </a:r>
+            <a:r>
+              <a:rPr lang="ja-JP" altLang="en-US" dirty="0"/>
+              <a:t>（</a:t>
+            </a:r>
+            <a:r>
+              <a:rPr lang="en-US" altLang="ja-JP" dirty="0"/>
+              <a:t>Vector2D</a:t>
+            </a:r>
+            <a:r>
+              <a:rPr lang="ja-JP" altLang="en-US" dirty="0"/>
+              <a:t>）</a:t>
+            </a:r>
+            <a:endParaRPr kumimoji="1" lang="ja-JP" altLang="en-US" dirty="0"/>
+          </a:p>
+        </p:txBody>
+      </p:sp>
+    </p:spTree>
+    <p:extLst>
+      <p:ext uri="{BB962C8B-B14F-4D97-AF65-F5344CB8AC3E}">
+        <p14:creationId xmlns:p14="http://schemas.microsoft.com/office/powerpoint/2010/main" val="3302305984"/>
+      </p:ext>
+    </p:extLst>
+  </p:cSld>
+  <p:clrMapOvr>
+    <a:masterClrMapping/>
+  </p:clrMapOvr>
+</p:sld>
+</file>
+
+<file path=ppt/slides/slide21.xml><?xml version="1.0" encoding="utf-8"?>
+<p:sld xmlns:a="http://schemas.openxmlformats.org/drawingml/2006/main" xmlns:r="http://schemas.openxmlformats.org/officeDocument/2006/relationships" xmlns:p="http://schemas.openxmlformats.org/presentationml/2006/main">
+  <p:cSld>
+    <p:spTree>
+      <p:nvGrpSpPr>
+        <p:cNvPr id="1" name=""/>
+        <p:cNvGrpSpPr/>
+        <p:nvPr/>
+      </p:nvGrpSpPr>
+      <p:grpSpPr>
+        <a:xfrm>
+          <a:off x="0" y="0"/>
+          <a:ext cx="0" cy="0"/>
+          <a:chOff x="0" y="0"/>
+          <a:chExt cx="0" cy="0"/>
+        </a:xfrm>
+      </p:grpSpPr>
+      <p:sp>
+        <p:nvSpPr>
+          <p:cNvPr id="3" name="コンテンツ プレースホルダー 2">
+            <a:extLst>
+              <a:ext uri="{FF2B5EF4-FFF2-40B4-BE49-F238E27FC236}">
+                <a16:creationId xmlns:a16="http://schemas.microsoft.com/office/drawing/2014/main" id="{64DBE417-57E9-44A6-BB52-B2F9986BB7B2}"/>
+              </a:ext>
+            </a:extLst>
+          </p:cNvPr>
+          <p:cNvSpPr>
+            <a:spLocks noGrp="1"/>
+          </p:cNvSpPr>
+          <p:nvPr>
+            <p:ph idx="1"/>
+          </p:nvPr>
+        </p:nvSpPr>
+        <p:spPr/>
+        <p:txBody>
+          <a:bodyPr>
+            <a:normAutofit/>
+          </a:bodyPr>
+          <a:lstStyle/>
+          <a:p>
+            <a:r>
+              <a:rPr kumimoji="1" lang="en-US" altLang="ja-JP" dirty="0"/>
+              <a:t>vector2D.cpp</a:t>
+            </a:r>
+            <a:br>
+              <a:rPr lang="en-US" altLang="ja-JP" dirty="0"/>
+            </a:br>
+            <a:endParaRPr lang="en-US" altLang="ja-JP" dirty="0"/>
+          </a:p>
+          <a:p>
+            <a:pPr marL="0" indent="0">
+              <a:buNone/>
+            </a:pPr>
+            <a:br>
+              <a:rPr lang="en-US" altLang="ja-JP" dirty="0"/>
+            </a:br>
+            <a:br>
+              <a:rPr lang="en-US" altLang="ja-JP" dirty="0"/>
+            </a:br>
+            <a:br>
+              <a:rPr lang="en-US" altLang="ja-JP" dirty="0"/>
+            </a:br>
+            <a:br>
+              <a:rPr lang="en-US" altLang="ja-JP" sz="2400" dirty="0"/>
+            </a:br>
+            <a:br>
+              <a:rPr lang="en-US" altLang="ja-JP" sz="2400" dirty="0"/>
+            </a:br>
+            <a:endParaRPr lang="en-US" altLang="ja-JP" sz="2400" dirty="0"/>
+          </a:p>
+          <a:p>
+            <a:pPr marL="0" indent="0">
+              <a:buNone/>
+            </a:pPr>
+            <a:br>
+              <a:rPr lang="en-US" altLang="ja-JP" sz="2400" dirty="0"/>
+            </a:br>
+            <a:endParaRPr lang="en-US" altLang="ja-JP" dirty="0">
+              <a:solidFill>
+                <a:srgbClr val="FF0000"/>
+              </a:solidFill>
+            </a:endParaRPr>
+          </a:p>
+        </p:txBody>
+      </p:sp>
+      <p:sp>
+        <p:nvSpPr>
+          <p:cNvPr id="5" name="テキスト ボックス 4">
+            <a:extLst>
+              <a:ext uri="{FF2B5EF4-FFF2-40B4-BE49-F238E27FC236}">
+                <a16:creationId xmlns:a16="http://schemas.microsoft.com/office/drawing/2014/main" id="{9E32883C-0E37-4F07-9861-27609819CE8C}"/>
+              </a:ext>
+            </a:extLst>
+          </p:cNvPr>
+          <p:cNvSpPr txBox="1"/>
+          <p:nvPr/>
+        </p:nvSpPr>
+        <p:spPr>
+          <a:xfrm>
+            <a:off x="1048255" y="1942532"/>
+            <a:ext cx="10688220" cy="3046988"/>
+          </a:xfrm>
+          <a:prstGeom prst="rect">
+            <a:avLst/>
+          </a:prstGeom>
+          <a:noFill/>
+          <a:ln>
+            <a:solidFill>
+              <a:schemeClr val="tx1"/>
+            </a:solidFill>
+          </a:ln>
+        </p:spPr>
+        <p:txBody>
+          <a:bodyPr wrap="square" rtlCol="0">
+            <a:spAutoFit/>
+          </a:bodyPr>
+          <a:lstStyle/>
+          <a:p>
+            <a:r>
+              <a:rPr kumimoji="1" lang="en-US" altLang="ja-JP" sz="3200" dirty="0"/>
+              <a:t>#include ”</a:t>
+            </a:r>
+            <a:r>
+              <a:rPr kumimoji="1" lang="en-US" altLang="ja-JP" sz="3200" dirty="0">
+                <a:solidFill>
+                  <a:srgbClr val="00B0F0"/>
+                </a:solidFill>
+              </a:rPr>
+              <a:t>vector2D.h</a:t>
+            </a:r>
+            <a:r>
+              <a:rPr kumimoji="1" lang="en-US" altLang="ja-JP" sz="3200" dirty="0"/>
+              <a:t>”</a:t>
+            </a:r>
+          </a:p>
+          <a:p>
+            <a:r>
+              <a:rPr kumimoji="1" lang="en-US" altLang="ja-JP" sz="3200" dirty="0"/>
+              <a:t>#include &lt;</a:t>
+            </a:r>
+            <a:r>
+              <a:rPr kumimoji="1" lang="en-US" altLang="ja-JP" sz="3200" dirty="0" err="1"/>
+              <a:t>math.h</a:t>
+            </a:r>
+            <a:r>
+              <a:rPr kumimoji="1" lang="en-US" altLang="ja-JP" sz="3200" dirty="0"/>
+              <a:t>&gt;</a:t>
+            </a:r>
+          </a:p>
+          <a:p>
+            <a:r>
+              <a:rPr kumimoji="1" lang="en-US" altLang="ja-JP" sz="3200" dirty="0"/>
+              <a:t>double </a:t>
+            </a:r>
+            <a:r>
+              <a:rPr kumimoji="1" lang="en-US" altLang="ja-JP" sz="3200" dirty="0">
+                <a:solidFill>
+                  <a:srgbClr val="00B0F0"/>
+                </a:solidFill>
+              </a:rPr>
+              <a:t>Vector2D::</a:t>
+            </a:r>
+            <a:r>
+              <a:rPr kumimoji="1" lang="en-US" altLang="ja-JP" sz="3200" dirty="0">
+                <a:solidFill>
+                  <a:srgbClr val="FF0000"/>
+                </a:solidFill>
+              </a:rPr>
+              <a:t>length()</a:t>
+            </a:r>
+            <a:r>
+              <a:rPr kumimoji="1" lang="en-US" altLang="ja-JP" sz="3200" dirty="0"/>
+              <a:t> {</a:t>
+            </a:r>
+            <a:br>
+              <a:rPr kumimoji="1" lang="en-US" altLang="ja-JP" sz="3200" dirty="0"/>
+            </a:br>
+            <a:r>
+              <a:rPr kumimoji="1" lang="en-US" altLang="ja-JP" sz="3200" dirty="0"/>
+              <a:t>  </a:t>
+            </a:r>
+            <a:r>
+              <a:rPr kumimoji="1" lang="en-US" altLang="ja-JP" sz="3200" dirty="0">
+                <a:solidFill>
+                  <a:srgbClr val="00B050"/>
+                </a:solidFill>
+              </a:rPr>
+              <a:t>//</a:t>
+            </a:r>
+            <a:r>
+              <a:rPr kumimoji="1" lang="ja-JP" altLang="en-US" sz="3200" dirty="0">
+                <a:solidFill>
+                  <a:srgbClr val="00B050"/>
+                </a:solidFill>
+              </a:rPr>
+              <a:t>三平方の定理を使って斜辺の長さを求める</a:t>
+            </a:r>
+            <a:r>
+              <a:rPr kumimoji="1" lang="ja-JP" altLang="en-US" sz="3200" dirty="0"/>
+              <a:t>　</a:t>
+            </a:r>
+            <a:endParaRPr kumimoji="1" lang="en-US" altLang="ja-JP" sz="3200" dirty="0"/>
+          </a:p>
+          <a:p>
+            <a:r>
+              <a:rPr kumimoji="1" lang="en-US" altLang="ja-JP" sz="3200" dirty="0"/>
+              <a:t>  return sqrt(x*x + y*y);</a:t>
+            </a:r>
+          </a:p>
+          <a:p>
+            <a:r>
+              <a:rPr kumimoji="1" lang="en-US" altLang="ja-JP" sz="3200" dirty="0"/>
+              <a:t>};</a:t>
+            </a:r>
+            <a:endParaRPr kumimoji="1" lang="ja-JP" altLang="en-US" sz="3200" dirty="0"/>
+          </a:p>
+        </p:txBody>
+      </p:sp>
+      <p:sp>
+        <p:nvSpPr>
+          <p:cNvPr id="9" name="タイトル 1">
+            <a:extLst>
+              <a:ext uri="{FF2B5EF4-FFF2-40B4-BE49-F238E27FC236}">
+                <a16:creationId xmlns:a16="http://schemas.microsoft.com/office/drawing/2014/main" id="{D6AA7204-D9BE-403A-AD95-E47ABFABF31A}"/>
+              </a:ext>
+            </a:extLst>
+          </p:cNvPr>
+          <p:cNvSpPr>
+            <a:spLocks noGrp="1"/>
+          </p:cNvSpPr>
+          <p:nvPr>
+            <p:ph type="title"/>
+          </p:nvPr>
+        </p:nvSpPr>
+        <p:spPr>
+          <a:xfrm>
+            <a:off x="838200" y="365126"/>
+            <a:ext cx="10515600" cy="797850"/>
+          </a:xfrm>
+        </p:spPr>
+        <p:txBody>
+          <a:bodyPr/>
+          <a:lstStyle/>
+          <a:p>
+            <a:r>
+              <a:rPr kumimoji="1" lang="ja-JP" altLang="en-US" dirty="0"/>
+              <a:t>クラスの例</a:t>
+            </a:r>
+            <a:r>
+              <a:rPr lang="ja-JP" altLang="en-US" dirty="0"/>
+              <a:t>（</a:t>
+            </a:r>
+            <a:r>
+              <a:rPr lang="en-US" altLang="ja-JP" dirty="0"/>
+              <a:t>Vector2D</a:t>
+            </a:r>
+            <a:r>
+              <a:rPr lang="ja-JP" altLang="en-US" dirty="0"/>
+              <a:t>）</a:t>
+            </a:r>
+            <a:endParaRPr kumimoji="1" lang="ja-JP" altLang="en-US" dirty="0"/>
+          </a:p>
+        </p:txBody>
+      </p:sp>
+      <p:sp>
+        <p:nvSpPr>
+          <p:cNvPr id="2" name="直角三角形 1">
+            <a:extLst>
+              <a:ext uri="{FF2B5EF4-FFF2-40B4-BE49-F238E27FC236}">
+                <a16:creationId xmlns:a16="http://schemas.microsoft.com/office/drawing/2014/main" id="{4A57914F-ED61-429B-A038-CC64A8C61B50}"/>
+              </a:ext>
+            </a:extLst>
+          </p:cNvPr>
+          <p:cNvSpPr/>
+          <p:nvPr/>
+        </p:nvSpPr>
+        <p:spPr>
+          <a:xfrm flipH="1">
+            <a:off x="9660082" y="3934843"/>
+            <a:ext cx="1693718" cy="2109354"/>
+          </a:xfrm>
+          <a:prstGeom prst="rtTriangle">
+            <a:avLst/>
+          </a:prstGeom>
+        </p:spPr>
+        <p:style>
+          <a:lnRef idx="2">
+            <a:schemeClr val="accent1">
+              <a:shade val="50000"/>
+            </a:schemeClr>
+          </a:lnRef>
+          <a:fillRef idx="1">
+            <a:schemeClr val="accent1"/>
+          </a:fillRef>
+          <a:effectRef idx="0">
+            <a:schemeClr val="accent1"/>
+          </a:effectRef>
+          <a:fontRef idx="minor">
+            <a:schemeClr val="lt1"/>
+          </a:fontRef>
+        </p:style>
+        <p:txBody>
+          <a:bodyPr rtlCol="0" anchor="ctr"/>
+          <a:lstStyle/>
+          <a:p>
+            <a:pPr algn="ctr"/>
+            <a:endParaRPr kumimoji="1" lang="ja-JP" altLang="en-US"/>
+          </a:p>
+        </p:txBody>
+      </p:sp>
+      <p:cxnSp>
+        <p:nvCxnSpPr>
+          <p:cNvPr id="6" name="直線矢印コネクタ 5">
+            <a:extLst>
+              <a:ext uri="{FF2B5EF4-FFF2-40B4-BE49-F238E27FC236}">
+                <a16:creationId xmlns:a16="http://schemas.microsoft.com/office/drawing/2014/main" id="{814C2622-9322-4C91-AD72-81E5C03F8736}"/>
+              </a:ext>
+            </a:extLst>
+          </p:cNvPr>
+          <p:cNvCxnSpPr/>
+          <p:nvPr/>
+        </p:nvCxnSpPr>
+        <p:spPr>
+          <a:xfrm>
+            <a:off x="9660082" y="6197557"/>
+            <a:ext cx="1693718" cy="0"/>
+          </a:xfrm>
+          <a:prstGeom prst="straightConnector1">
+            <a:avLst/>
+          </a:prstGeom>
+          <a:ln w="19050">
+            <a:solidFill>
+              <a:schemeClr val="tx1"/>
+            </a:solidFill>
+            <a:headEnd type="arrow" w="med" len="med"/>
+            <a:tailEnd type="arrow" w="med" len="med"/>
+          </a:ln>
+        </p:spPr>
+        <p:style>
+          <a:lnRef idx="1">
+            <a:schemeClr val="accent1"/>
+          </a:lnRef>
+          <a:fillRef idx="0">
+            <a:schemeClr val="accent1"/>
+          </a:fillRef>
+          <a:effectRef idx="0">
+            <a:schemeClr val="accent1"/>
+          </a:effectRef>
+          <a:fontRef idx="minor">
+            <a:schemeClr val="tx1"/>
+          </a:fontRef>
+        </p:style>
+      </p:cxnSp>
+      <p:cxnSp>
+        <p:nvCxnSpPr>
+          <p:cNvPr id="8" name="直線矢印コネクタ 7">
+            <a:extLst>
+              <a:ext uri="{FF2B5EF4-FFF2-40B4-BE49-F238E27FC236}">
+                <a16:creationId xmlns:a16="http://schemas.microsoft.com/office/drawing/2014/main" id="{5CA65EC1-6DB0-4EF5-A364-D76895833997}"/>
+              </a:ext>
+            </a:extLst>
+          </p:cNvPr>
+          <p:cNvCxnSpPr>
+            <a:cxnSpLocks/>
+          </p:cNvCxnSpPr>
+          <p:nvPr/>
+        </p:nvCxnSpPr>
+        <p:spPr>
+          <a:xfrm flipH="1" flipV="1">
+            <a:off x="11459945" y="3926151"/>
+            <a:ext cx="11618" cy="2109707"/>
+          </a:xfrm>
+          <a:prstGeom prst="straightConnector1">
+            <a:avLst/>
+          </a:prstGeom>
+          <a:ln w="19050">
+            <a:solidFill>
+              <a:schemeClr val="tx1"/>
+            </a:solidFill>
+            <a:headEnd type="arrow" w="med" len="med"/>
+            <a:tailEnd type="arrow" w="med" len="med"/>
+          </a:ln>
+        </p:spPr>
+        <p:style>
+          <a:lnRef idx="1">
+            <a:schemeClr val="accent1"/>
+          </a:lnRef>
+          <a:fillRef idx="0">
+            <a:schemeClr val="accent1"/>
+          </a:fillRef>
+          <a:effectRef idx="0">
+            <a:schemeClr val="accent1"/>
+          </a:effectRef>
+          <a:fontRef idx="minor">
+            <a:schemeClr val="tx1"/>
+          </a:fontRef>
+        </p:style>
+      </p:cxnSp>
+      <p:sp>
+        <p:nvSpPr>
+          <p:cNvPr id="11" name="テキスト ボックス 10">
+            <a:extLst>
+              <a:ext uri="{FF2B5EF4-FFF2-40B4-BE49-F238E27FC236}">
+                <a16:creationId xmlns:a16="http://schemas.microsoft.com/office/drawing/2014/main" id="{A95FC22D-C4C5-447F-8797-79CBFFEE9CD1}"/>
+              </a:ext>
+            </a:extLst>
+          </p:cNvPr>
+          <p:cNvSpPr txBox="1"/>
+          <p:nvPr/>
+        </p:nvSpPr>
+        <p:spPr>
+          <a:xfrm>
+            <a:off x="10343274" y="6235403"/>
+            <a:ext cx="439544" cy="584775"/>
+          </a:xfrm>
+          <a:prstGeom prst="rect">
+            <a:avLst/>
+          </a:prstGeom>
+          <a:noFill/>
+        </p:spPr>
+        <p:txBody>
+          <a:bodyPr wrap="none" rtlCol="0">
+            <a:spAutoFit/>
+          </a:bodyPr>
+          <a:lstStyle/>
+          <a:p>
+            <a:r>
+              <a:rPr kumimoji="1" lang="en-US" altLang="ja-JP" sz="3200" dirty="0"/>
+              <a:t>x</a:t>
+            </a:r>
+            <a:endParaRPr kumimoji="1" lang="ja-JP" altLang="en-US" sz="3200" dirty="0"/>
+          </a:p>
+        </p:txBody>
+      </p:sp>
+      <p:sp>
+        <p:nvSpPr>
+          <p:cNvPr id="12" name="テキスト ボックス 11">
+            <a:extLst>
+              <a:ext uri="{FF2B5EF4-FFF2-40B4-BE49-F238E27FC236}">
+                <a16:creationId xmlns:a16="http://schemas.microsoft.com/office/drawing/2014/main" id="{E4F7D232-D8EA-41ED-8CA5-75A87EF0EB7E}"/>
+              </a:ext>
+            </a:extLst>
+          </p:cNvPr>
+          <p:cNvSpPr txBox="1"/>
+          <p:nvPr/>
+        </p:nvSpPr>
+        <p:spPr>
+          <a:xfrm>
+            <a:off x="11511746" y="4679866"/>
+            <a:ext cx="439544" cy="584775"/>
+          </a:xfrm>
+          <a:prstGeom prst="rect">
+            <a:avLst/>
+          </a:prstGeom>
+          <a:noFill/>
+        </p:spPr>
+        <p:txBody>
+          <a:bodyPr wrap="none" rtlCol="0">
+            <a:spAutoFit/>
+          </a:bodyPr>
+          <a:lstStyle/>
+          <a:p>
+            <a:r>
+              <a:rPr kumimoji="1" lang="en-US" altLang="ja-JP" sz="3200" dirty="0"/>
+              <a:t>y</a:t>
+            </a:r>
+            <a:endParaRPr kumimoji="1" lang="ja-JP" altLang="en-US" sz="3200" dirty="0"/>
+          </a:p>
+        </p:txBody>
+      </p:sp>
+      <mc:AlternateContent xmlns:mc="http://schemas.openxmlformats.org/markup-compatibility/2006">
+        <mc:Choice xmlns:a14="http://schemas.microsoft.com/office/drawing/2010/main" Requires="a14">
+          <p:sp>
+            <p:nvSpPr>
+              <p:cNvPr id="13" name="テキスト ボックス 12">
+                <a:extLst>
+                  <a:ext uri="{FF2B5EF4-FFF2-40B4-BE49-F238E27FC236}">
+                    <a16:creationId xmlns:a16="http://schemas.microsoft.com/office/drawing/2014/main" id="{8D055930-4655-404B-88CC-B688035E3C6D}"/>
+                  </a:ext>
+                </a:extLst>
+              </p:cNvPr>
+              <p:cNvSpPr txBox="1"/>
+              <p:nvPr/>
+            </p:nvSpPr>
+            <p:spPr>
+              <a:xfrm rot="18575473">
+                <a:off x="8857665" y="4225678"/>
+                <a:ext cx="2309469" cy="745460"/>
+              </a:xfrm>
+              <a:prstGeom prst="rect">
+                <a:avLst/>
+              </a:prstGeom>
+              <a:noFill/>
+            </p:spPr>
+            <p:txBody>
+              <a:bodyPr wrap="square" lIns="0" tIns="0" rIns="0" bIns="0" rtlCol="0">
+                <a:spAutoFit/>
+              </a:bodyPr>
+              <a:lstStyle/>
+              <a:p>
+                <a14:m>
+                  <m:oMathPara xmlns:m="http://schemas.openxmlformats.org/officeDocument/2006/math">
+                    <m:oMathParaPr>
+                      <m:jc m:val="centerGroup"/>
+                    </m:oMathParaPr>
+                    <m:oMath xmlns:m="http://schemas.openxmlformats.org/officeDocument/2006/math">
+                      <m:rad>
+                        <m:radPr>
+                          <m:degHide m:val="on"/>
+                          <m:ctrlPr>
+                            <a:rPr kumimoji="1" lang="en-US" altLang="ja-JP" sz="4000" b="0" i="1" smtClean="0">
+                              <a:latin typeface="Cambria Math" panose="02040503050406030204" pitchFamily="18" charset="0"/>
+                            </a:rPr>
+                          </m:ctrlPr>
+                        </m:radPr>
+                        <m:deg/>
+                        <m:e>
+                          <m:sSup>
+                            <m:sSupPr>
+                              <m:ctrlPr>
+                                <a:rPr kumimoji="1" lang="en-US" altLang="ja-JP" sz="4000" b="0" i="1" smtClean="0">
+                                  <a:latin typeface="Cambria Math" panose="02040503050406030204" pitchFamily="18" charset="0"/>
+                                </a:rPr>
+                              </m:ctrlPr>
+                            </m:sSupPr>
+                            <m:e>
+                              <m:r>
+                                <a:rPr kumimoji="1" lang="en-US" altLang="ja-JP" sz="4000" b="0" i="1" smtClean="0">
+                                  <a:latin typeface="Cambria Math" panose="02040503050406030204" pitchFamily="18" charset="0"/>
+                                </a:rPr>
+                                <m:t>𝑥</m:t>
+                              </m:r>
+                            </m:e>
+                            <m:sup>
+                              <m:r>
+                                <a:rPr kumimoji="1" lang="en-US" altLang="ja-JP" sz="4000" b="0" i="1" smtClean="0">
+                                  <a:latin typeface="Cambria Math" panose="02040503050406030204" pitchFamily="18" charset="0"/>
+                                </a:rPr>
+                                <m:t>2</m:t>
+                              </m:r>
+                            </m:sup>
+                          </m:sSup>
+                          <m:r>
+                            <a:rPr kumimoji="1" lang="en-US" altLang="ja-JP" sz="4000" b="0" i="1" smtClean="0">
+                              <a:latin typeface="Cambria Math" panose="02040503050406030204" pitchFamily="18" charset="0"/>
+                            </a:rPr>
+                            <m:t>+</m:t>
+                          </m:r>
+                          <m:sSup>
+                            <m:sSupPr>
+                              <m:ctrlPr>
+                                <a:rPr kumimoji="1" lang="en-US" altLang="ja-JP" sz="4000" b="0" i="1" smtClean="0">
+                                  <a:latin typeface="Cambria Math" panose="02040503050406030204" pitchFamily="18" charset="0"/>
+                                </a:rPr>
+                              </m:ctrlPr>
+                            </m:sSupPr>
+                            <m:e>
+                              <m:r>
+                                <a:rPr kumimoji="1" lang="en-US" altLang="ja-JP" sz="4000" b="0" i="1" smtClean="0">
+                                  <a:latin typeface="Cambria Math" panose="02040503050406030204" pitchFamily="18" charset="0"/>
+                                </a:rPr>
+                                <m:t>𝑦</m:t>
+                              </m:r>
+                            </m:e>
+                            <m:sup>
+                              <m:r>
+                                <a:rPr kumimoji="1" lang="en-US" altLang="ja-JP" sz="4000" b="0" i="1" smtClean="0">
+                                  <a:latin typeface="Cambria Math" panose="02040503050406030204" pitchFamily="18" charset="0"/>
+                                </a:rPr>
+                                <m:t>2</m:t>
+                              </m:r>
+                            </m:sup>
+                          </m:sSup>
+                        </m:e>
+                      </m:rad>
+                    </m:oMath>
+                  </m:oMathPara>
+                </a14:m>
+                <a:endParaRPr kumimoji="1" lang="ja-JP" altLang="en-US" sz="4000" dirty="0"/>
+              </a:p>
+            </p:txBody>
+          </p:sp>
+        </mc:Choice>
+        <mc:Fallback>
+          <p:sp>
+            <p:nvSpPr>
+              <p:cNvPr id="13" name="テキスト ボックス 12">
+                <a:extLst>
+                  <a:ext uri="{FF2B5EF4-FFF2-40B4-BE49-F238E27FC236}">
+                    <a16:creationId xmlns:a16="http://schemas.microsoft.com/office/drawing/2014/main" id="{8D055930-4655-404B-88CC-B688035E3C6D}"/>
+                  </a:ext>
+                </a:extLst>
+              </p:cNvPr>
+              <p:cNvSpPr txBox="1">
+                <a:spLocks noRot="1" noChangeAspect="1" noMove="1" noResize="1" noEditPoints="1" noAdjustHandles="1" noChangeArrowheads="1" noChangeShapeType="1" noTextEdit="1"/>
+              </p:cNvSpPr>
+              <p:nvPr/>
+            </p:nvSpPr>
+            <p:spPr>
+              <a:xfrm rot="18575473">
+                <a:off x="8857665" y="4225678"/>
+                <a:ext cx="2309469" cy="745460"/>
+              </a:xfrm>
+              <a:prstGeom prst="rect">
+                <a:avLst/>
+              </a:prstGeom>
+              <a:blipFill>
+                <a:blip r:embed="rId2"/>
+                <a:stretch>
+                  <a:fillRect/>
+                </a:stretch>
+              </a:blipFill>
+            </p:spPr>
+            <p:txBody>
+              <a:bodyPr/>
+              <a:lstStyle/>
+              <a:p>
+                <a:r>
+                  <a:rPr lang="ja-JP" altLang="en-US">
+                    <a:noFill/>
+                  </a:rPr>
+                  <a:t> </a:t>
+                </a:r>
+              </a:p>
+            </p:txBody>
+          </p:sp>
+        </mc:Fallback>
+      </mc:AlternateContent>
+      <p:cxnSp>
+        <p:nvCxnSpPr>
+          <p:cNvPr id="14" name="直線矢印コネクタ 13">
+            <a:extLst>
+              <a:ext uri="{FF2B5EF4-FFF2-40B4-BE49-F238E27FC236}">
+                <a16:creationId xmlns:a16="http://schemas.microsoft.com/office/drawing/2014/main" id="{FEEB7D4D-2B7F-4474-8A9C-46871C0C6D7A}"/>
+              </a:ext>
+            </a:extLst>
+          </p:cNvPr>
+          <p:cNvCxnSpPr>
+            <a:cxnSpLocks/>
+          </p:cNvCxnSpPr>
+          <p:nvPr/>
+        </p:nvCxnSpPr>
+        <p:spPr>
+          <a:xfrm flipV="1">
+            <a:off x="9533702" y="3845572"/>
+            <a:ext cx="1723401" cy="2129461"/>
+          </a:xfrm>
+          <a:prstGeom prst="straightConnector1">
+            <a:avLst/>
+          </a:prstGeom>
+          <a:ln w="19050">
+            <a:solidFill>
+              <a:schemeClr val="tx1"/>
+            </a:solidFill>
+            <a:headEnd type="arrow" w="med" len="med"/>
+            <a:tailEnd type="arrow" w="med" len="med"/>
+          </a:ln>
+        </p:spPr>
+        <p:style>
+          <a:lnRef idx="1">
+            <a:schemeClr val="accent1"/>
+          </a:lnRef>
+          <a:fillRef idx="0">
+            <a:schemeClr val="accent1"/>
+          </a:fillRef>
+          <a:effectRef idx="0">
+            <a:schemeClr val="accent1"/>
+          </a:effectRef>
+          <a:fontRef idx="minor">
+            <a:schemeClr val="tx1"/>
+          </a:fontRef>
+        </p:style>
+      </p:cxnSp>
+    </p:spTree>
+    <p:extLst>
+      <p:ext uri="{BB962C8B-B14F-4D97-AF65-F5344CB8AC3E}">
+        <p14:creationId xmlns:p14="http://schemas.microsoft.com/office/powerpoint/2010/main" val="2621461685"/>
+      </p:ext>
+    </p:extLst>
+  </p:cSld>
+  <p:clrMapOvr>
+    <a:masterClrMapping/>
+  </p:clrMapOvr>
+</p:sld>
+</file>
+
+<file path=ppt/slides/slide22.xml><?xml version="1.0" encoding="utf-8"?>
+<p:sld xmlns:a="http://schemas.openxmlformats.org/drawingml/2006/main" xmlns:r="http://schemas.openxmlformats.org/officeDocument/2006/relationships" xmlns:p="http://schemas.openxmlformats.org/presentationml/2006/main">
+  <p:cSld>
+    <p:spTree>
+      <p:nvGrpSpPr>
+        <p:cNvPr id="1" name=""/>
+        <p:cNvGrpSpPr/>
+        <p:nvPr/>
+      </p:nvGrpSpPr>
+      <p:grpSpPr>
+        <a:xfrm>
+          <a:off x="0" y="0"/>
+          <a:ext cx="0" cy="0"/>
+          <a:chOff x="0" y="0"/>
+          <a:chExt cx="0" cy="0"/>
+        </a:xfrm>
+      </p:grpSpPr>
+      <p:sp>
+        <p:nvSpPr>
+          <p:cNvPr id="3" name="コンテンツ プレースホルダー 2">
+            <a:extLst>
+              <a:ext uri="{FF2B5EF4-FFF2-40B4-BE49-F238E27FC236}">
+                <a16:creationId xmlns:a16="http://schemas.microsoft.com/office/drawing/2014/main" id="{64DBE417-57E9-44A6-BB52-B2F9986BB7B2}"/>
+              </a:ext>
+            </a:extLst>
+          </p:cNvPr>
+          <p:cNvSpPr>
+            <a:spLocks noGrp="1"/>
+          </p:cNvSpPr>
+          <p:nvPr>
+            <p:ph idx="1"/>
+          </p:nvPr>
+        </p:nvSpPr>
+        <p:spPr/>
+        <p:txBody>
+          <a:bodyPr>
+            <a:normAutofit/>
+          </a:bodyPr>
+          <a:lstStyle/>
+          <a:p>
+            <a:r>
+              <a:rPr kumimoji="1" lang="en-US" altLang="ja-JP" dirty="0"/>
+              <a:t>main.cpp </a:t>
+            </a:r>
+            <a:r>
+              <a:rPr kumimoji="1" lang="ja-JP" altLang="en-US" dirty="0"/>
+              <a:t>その①</a:t>
+            </a:r>
+            <a:br>
+              <a:rPr lang="en-US" altLang="ja-JP" dirty="0"/>
+            </a:br>
+            <a:endParaRPr lang="en-US" altLang="ja-JP" dirty="0"/>
+          </a:p>
+          <a:p>
+            <a:pPr marL="0" indent="0">
+              <a:buNone/>
+            </a:pPr>
+            <a:br>
+              <a:rPr lang="en-US" altLang="ja-JP" dirty="0"/>
+            </a:br>
+            <a:br>
+              <a:rPr lang="en-US" altLang="ja-JP" dirty="0"/>
+            </a:br>
+            <a:br>
+              <a:rPr lang="en-US" altLang="ja-JP" dirty="0"/>
+            </a:br>
+            <a:br>
+              <a:rPr lang="en-US" altLang="ja-JP" sz="2400" dirty="0"/>
+            </a:br>
+            <a:br>
+              <a:rPr lang="en-US" altLang="ja-JP" sz="2400" dirty="0"/>
+            </a:br>
+            <a:endParaRPr lang="en-US" altLang="ja-JP" sz="2400" dirty="0"/>
+          </a:p>
+          <a:p>
+            <a:pPr marL="0" indent="0">
+              <a:buNone/>
+            </a:pPr>
+            <a:br>
+              <a:rPr lang="en-US" altLang="ja-JP" sz="2400" dirty="0"/>
+            </a:br>
+            <a:endParaRPr lang="en-US" altLang="ja-JP" dirty="0">
+              <a:solidFill>
+                <a:srgbClr val="FF0000"/>
+              </a:solidFill>
+            </a:endParaRPr>
+          </a:p>
+        </p:txBody>
+      </p:sp>
+      <p:sp>
+        <p:nvSpPr>
+          <p:cNvPr id="5" name="テキスト ボックス 4">
+            <a:extLst>
+              <a:ext uri="{FF2B5EF4-FFF2-40B4-BE49-F238E27FC236}">
+                <a16:creationId xmlns:a16="http://schemas.microsoft.com/office/drawing/2014/main" id="{9E32883C-0E37-4F07-9861-27609819CE8C}"/>
+              </a:ext>
+            </a:extLst>
+          </p:cNvPr>
+          <p:cNvSpPr txBox="1"/>
+          <p:nvPr/>
+        </p:nvSpPr>
+        <p:spPr>
+          <a:xfrm>
+            <a:off x="1048255" y="1942532"/>
+            <a:ext cx="10688220" cy="4524315"/>
+          </a:xfrm>
+          <a:prstGeom prst="rect">
+            <a:avLst/>
+          </a:prstGeom>
+          <a:noFill/>
+          <a:ln>
+            <a:solidFill>
+              <a:schemeClr val="tx1"/>
+            </a:solidFill>
+          </a:ln>
+        </p:spPr>
+        <p:txBody>
+          <a:bodyPr wrap="square" rtlCol="0">
+            <a:spAutoFit/>
+          </a:bodyPr>
+          <a:lstStyle/>
+          <a:p>
+            <a:r>
+              <a:rPr kumimoji="1" lang="en-US" altLang="ja-JP" sz="3200" dirty="0"/>
+              <a:t>#include ”</a:t>
+            </a:r>
+            <a:r>
+              <a:rPr kumimoji="1" lang="en-US" altLang="ja-JP" sz="3200" dirty="0">
+                <a:solidFill>
+                  <a:srgbClr val="00B0F0"/>
+                </a:solidFill>
+              </a:rPr>
+              <a:t>vector2D.h</a:t>
+            </a:r>
+            <a:r>
+              <a:rPr kumimoji="1" lang="en-US" altLang="ja-JP" sz="3200" dirty="0"/>
+              <a:t>”</a:t>
+            </a:r>
+          </a:p>
+          <a:p>
+            <a:r>
+              <a:rPr kumimoji="1" lang="en-US" altLang="ja-JP" sz="3200" dirty="0"/>
+              <a:t>#include &lt;iostream&gt;</a:t>
+            </a:r>
+            <a:r>
+              <a:rPr kumimoji="1" lang="ja-JP" altLang="en-US" sz="3200" dirty="0">
+                <a:solidFill>
+                  <a:srgbClr val="00B0F0"/>
+                </a:solidFill>
+              </a:rPr>
+              <a:t>　　　　　　</a:t>
+            </a:r>
+            <a:endParaRPr kumimoji="1" lang="en-US" altLang="ja-JP" sz="3200" dirty="0">
+              <a:solidFill>
+                <a:srgbClr val="00B050"/>
+              </a:solidFill>
+            </a:endParaRPr>
+          </a:p>
+          <a:p>
+            <a:r>
+              <a:rPr kumimoji="1" lang="en-US" altLang="ja-JP" sz="3200" dirty="0"/>
+              <a:t>using</a:t>
+            </a:r>
+            <a:r>
+              <a:rPr kumimoji="1" lang="ja-JP" altLang="en-US" sz="3200" dirty="0"/>
+              <a:t> </a:t>
+            </a:r>
+            <a:r>
+              <a:rPr kumimoji="1" lang="en-US" altLang="ja-JP" sz="3200" dirty="0"/>
+              <a:t>namespace std;</a:t>
+            </a:r>
+          </a:p>
+          <a:p>
+            <a:r>
+              <a:rPr kumimoji="1" lang="en-US" altLang="ja-JP" sz="3200" dirty="0"/>
+              <a:t>int main(){</a:t>
+            </a:r>
+          </a:p>
+          <a:p>
+            <a:r>
+              <a:rPr kumimoji="1" lang="en-US" altLang="ja-JP" sz="3200" dirty="0"/>
+              <a:t>  </a:t>
+            </a:r>
+            <a:r>
+              <a:rPr kumimoji="1" lang="en-US" altLang="ja-JP" sz="3200" dirty="0">
+                <a:solidFill>
+                  <a:srgbClr val="00B0F0"/>
+                </a:solidFill>
+              </a:rPr>
+              <a:t>Vector2D</a:t>
+            </a:r>
+            <a:r>
+              <a:rPr kumimoji="1" lang="en-US" altLang="ja-JP" sz="3200" dirty="0"/>
+              <a:t> </a:t>
+            </a:r>
+            <a:r>
+              <a:rPr kumimoji="1" lang="en-US" altLang="ja-JP" sz="3200" dirty="0">
+                <a:solidFill>
+                  <a:srgbClr val="FF0000"/>
+                </a:solidFill>
+              </a:rPr>
+              <a:t>v</a:t>
+            </a:r>
+            <a:r>
+              <a:rPr kumimoji="1" lang="en-US" altLang="ja-JP" sz="3200" dirty="0"/>
+              <a:t>; //</a:t>
+            </a:r>
+            <a:r>
+              <a:rPr kumimoji="1" lang="en-US" altLang="ja-JP" sz="3200" dirty="0">
+                <a:solidFill>
+                  <a:srgbClr val="00B0F0"/>
+                </a:solidFill>
+              </a:rPr>
+              <a:t>Vector2D</a:t>
+            </a:r>
+            <a:r>
+              <a:rPr kumimoji="1" lang="ja-JP" altLang="en-US" sz="3200" dirty="0"/>
+              <a:t>クラスのインスタンス</a:t>
+            </a:r>
+            <a:r>
+              <a:rPr kumimoji="1" lang="en-US" altLang="ja-JP" sz="3200" dirty="0">
+                <a:solidFill>
+                  <a:srgbClr val="FF0000"/>
+                </a:solidFill>
+              </a:rPr>
+              <a:t>v</a:t>
+            </a:r>
+          </a:p>
+          <a:p>
+            <a:r>
+              <a:rPr kumimoji="1" lang="en-US" altLang="ja-JP" sz="3200" dirty="0"/>
+              <a:t>  </a:t>
+            </a:r>
+            <a:r>
+              <a:rPr kumimoji="1" lang="en-US" altLang="ja-JP" sz="3200" dirty="0" err="1"/>
+              <a:t>cout</a:t>
+            </a:r>
+            <a:r>
+              <a:rPr kumimoji="1" lang="en-US" altLang="ja-JP" sz="3200" dirty="0"/>
+              <a:t> &lt;&lt; “</a:t>
+            </a:r>
+            <a:r>
+              <a:rPr kumimoji="1" lang="en-US" altLang="ja-JP" sz="3200" dirty="0" err="1"/>
+              <a:t>v.x</a:t>
+            </a:r>
+            <a:r>
+              <a:rPr kumimoji="1" lang="en-US" altLang="ja-JP" sz="3200" dirty="0"/>
+              <a:t>=“ &lt;&lt; </a:t>
+            </a:r>
+            <a:r>
+              <a:rPr kumimoji="1" lang="en-US" altLang="ja-JP" sz="3200" dirty="0" err="1"/>
+              <a:t>endl</a:t>
+            </a:r>
+            <a:r>
+              <a:rPr kumimoji="1" lang="en-US" altLang="ja-JP" sz="3200" dirty="0"/>
+              <a:t>;</a:t>
+            </a:r>
+            <a:br>
+              <a:rPr kumimoji="1" lang="en-US" altLang="ja-JP" sz="3200" dirty="0"/>
+            </a:br>
+            <a:r>
+              <a:rPr kumimoji="1" lang="en-US" altLang="ja-JP" sz="3200" dirty="0"/>
+              <a:t>  </a:t>
+            </a:r>
+            <a:r>
+              <a:rPr kumimoji="1" lang="en-US" altLang="ja-JP" sz="3200" dirty="0" err="1"/>
+              <a:t>cin</a:t>
+            </a:r>
+            <a:r>
+              <a:rPr kumimoji="1" lang="en-US" altLang="ja-JP" sz="3200" dirty="0"/>
+              <a:t> &gt;&gt; </a:t>
+            </a:r>
+            <a:r>
+              <a:rPr kumimoji="1" lang="en-US" altLang="ja-JP" sz="3200" dirty="0" err="1">
+                <a:solidFill>
+                  <a:srgbClr val="FF0000"/>
+                </a:solidFill>
+              </a:rPr>
+              <a:t>v</a:t>
+            </a:r>
+            <a:r>
+              <a:rPr kumimoji="1" lang="en-US" altLang="ja-JP" sz="3200" dirty="0" err="1"/>
+              <a:t>.x</a:t>
+            </a:r>
+            <a:r>
+              <a:rPr kumimoji="1" lang="en-US" altLang="ja-JP" sz="3200" dirty="0"/>
+              <a:t>;</a:t>
+            </a:r>
+          </a:p>
+          <a:p>
+            <a:r>
+              <a:rPr kumimoji="1" lang="en-US" altLang="ja-JP" sz="3200" dirty="0"/>
+              <a:t>  </a:t>
+            </a:r>
+            <a:r>
+              <a:rPr kumimoji="1" lang="en-US" altLang="ja-JP" sz="3200" dirty="0" err="1"/>
+              <a:t>cout</a:t>
+            </a:r>
+            <a:r>
+              <a:rPr kumimoji="1" lang="en-US" altLang="ja-JP" sz="3200" dirty="0"/>
+              <a:t> &lt;&lt; “</a:t>
+            </a:r>
+            <a:r>
+              <a:rPr kumimoji="1" lang="en-US" altLang="ja-JP" sz="3200" dirty="0" err="1"/>
+              <a:t>v.y</a:t>
+            </a:r>
+            <a:r>
+              <a:rPr kumimoji="1" lang="en-US" altLang="ja-JP" sz="3200" dirty="0"/>
+              <a:t>=“ &lt;&lt; </a:t>
+            </a:r>
+            <a:r>
+              <a:rPr kumimoji="1" lang="en-US" altLang="ja-JP" sz="3200" dirty="0" err="1"/>
+              <a:t>endl</a:t>
+            </a:r>
+            <a:r>
+              <a:rPr kumimoji="1" lang="en-US" altLang="ja-JP" sz="3200" dirty="0"/>
+              <a:t>;</a:t>
+            </a:r>
+            <a:br>
+              <a:rPr kumimoji="1" lang="en-US" altLang="ja-JP" sz="3200" dirty="0"/>
+            </a:br>
+            <a:r>
+              <a:rPr kumimoji="1" lang="en-US" altLang="ja-JP" sz="3200" dirty="0"/>
+              <a:t>  </a:t>
+            </a:r>
+            <a:r>
+              <a:rPr kumimoji="1" lang="en-US" altLang="ja-JP" sz="3200" dirty="0" err="1"/>
+              <a:t>cin</a:t>
+            </a:r>
+            <a:r>
+              <a:rPr kumimoji="1" lang="en-US" altLang="ja-JP" sz="3200" dirty="0"/>
+              <a:t> &gt;&gt; </a:t>
+            </a:r>
+            <a:r>
+              <a:rPr kumimoji="1" lang="en-US" altLang="ja-JP" sz="3200" dirty="0" err="1">
+                <a:solidFill>
+                  <a:srgbClr val="FF0000"/>
+                </a:solidFill>
+              </a:rPr>
+              <a:t>v</a:t>
+            </a:r>
+            <a:r>
+              <a:rPr kumimoji="1" lang="en-US" altLang="ja-JP" sz="3200" dirty="0" err="1"/>
+              <a:t>.y</a:t>
+            </a:r>
+            <a:r>
+              <a:rPr kumimoji="1" lang="en-US" altLang="ja-JP" sz="3200" dirty="0"/>
+              <a:t>;</a:t>
+            </a:r>
+          </a:p>
+        </p:txBody>
+      </p:sp>
+      <p:sp>
+        <p:nvSpPr>
+          <p:cNvPr id="9" name="タイトル 1">
+            <a:extLst>
+              <a:ext uri="{FF2B5EF4-FFF2-40B4-BE49-F238E27FC236}">
+                <a16:creationId xmlns:a16="http://schemas.microsoft.com/office/drawing/2014/main" id="{D6AA7204-D9BE-403A-AD95-E47ABFABF31A}"/>
+              </a:ext>
+            </a:extLst>
+          </p:cNvPr>
+          <p:cNvSpPr>
+            <a:spLocks noGrp="1"/>
+          </p:cNvSpPr>
+          <p:nvPr>
+            <p:ph type="title"/>
+          </p:nvPr>
+        </p:nvSpPr>
+        <p:spPr>
+          <a:xfrm>
+            <a:off x="838200" y="365126"/>
+            <a:ext cx="10515600" cy="797850"/>
+          </a:xfrm>
+        </p:spPr>
+        <p:txBody>
+          <a:bodyPr/>
+          <a:lstStyle/>
+          <a:p>
+            <a:r>
+              <a:rPr kumimoji="1" lang="ja-JP" altLang="en-US" dirty="0"/>
+              <a:t>クラスの例</a:t>
+            </a:r>
+            <a:r>
+              <a:rPr lang="ja-JP" altLang="en-US" dirty="0"/>
+              <a:t>（</a:t>
+            </a:r>
+            <a:r>
+              <a:rPr lang="en-US" altLang="ja-JP" dirty="0"/>
+              <a:t>Vector2D</a:t>
+            </a:r>
+            <a:r>
+              <a:rPr lang="ja-JP" altLang="en-US" dirty="0"/>
+              <a:t>）</a:t>
+            </a:r>
+            <a:endParaRPr kumimoji="1" lang="ja-JP" altLang="en-US" dirty="0"/>
+          </a:p>
+        </p:txBody>
+      </p:sp>
+    </p:spTree>
+    <p:extLst>
+      <p:ext uri="{BB962C8B-B14F-4D97-AF65-F5344CB8AC3E}">
+        <p14:creationId xmlns:p14="http://schemas.microsoft.com/office/powerpoint/2010/main" val="1801650779"/>
+      </p:ext>
+    </p:extLst>
+  </p:cSld>
+  <p:clrMapOvr>
+    <a:masterClrMapping/>
+  </p:clrMapOvr>
+</p:sld>
+</file>
+
+<file path=ppt/slides/slide23.xml><?xml version="1.0" encoding="utf-8"?>
+<p:sld xmlns:a="http://schemas.openxmlformats.org/drawingml/2006/main" xmlns:r="http://schemas.openxmlformats.org/officeDocument/2006/relationships" xmlns:p="http://schemas.openxmlformats.org/presentationml/2006/main">
+  <p:cSld>
+    <p:spTree>
+      <p:nvGrpSpPr>
+        <p:cNvPr id="1" name=""/>
+        <p:cNvGrpSpPr/>
+        <p:nvPr/>
+      </p:nvGrpSpPr>
+      <p:grpSpPr>
+        <a:xfrm>
+          <a:off x="0" y="0"/>
+          <a:ext cx="0" cy="0"/>
+          <a:chOff x="0" y="0"/>
+          <a:chExt cx="0" cy="0"/>
+        </a:xfrm>
+      </p:grpSpPr>
+      <p:sp>
+        <p:nvSpPr>
+          <p:cNvPr id="3" name="コンテンツ プレースホルダー 2">
+            <a:extLst>
+              <a:ext uri="{FF2B5EF4-FFF2-40B4-BE49-F238E27FC236}">
+                <a16:creationId xmlns:a16="http://schemas.microsoft.com/office/drawing/2014/main" id="{64DBE417-57E9-44A6-BB52-B2F9986BB7B2}"/>
+              </a:ext>
+            </a:extLst>
+          </p:cNvPr>
+          <p:cNvSpPr>
+            <a:spLocks noGrp="1"/>
+          </p:cNvSpPr>
+          <p:nvPr>
+            <p:ph idx="1"/>
+          </p:nvPr>
+        </p:nvSpPr>
+        <p:spPr/>
+        <p:txBody>
+          <a:bodyPr>
+            <a:normAutofit/>
+          </a:bodyPr>
+          <a:lstStyle/>
+          <a:p>
+            <a:r>
+              <a:rPr kumimoji="1" lang="en-US" altLang="ja-JP" dirty="0"/>
+              <a:t>main.cpp </a:t>
+            </a:r>
+            <a:r>
+              <a:rPr kumimoji="1" lang="ja-JP" altLang="en-US" dirty="0"/>
+              <a:t>その</a:t>
+            </a:r>
+            <a:r>
+              <a:rPr lang="ja-JP" altLang="en-US" dirty="0"/>
+              <a:t>②</a:t>
+            </a:r>
+            <a:br>
+              <a:rPr lang="en-US" altLang="ja-JP" dirty="0"/>
+            </a:br>
+            <a:endParaRPr lang="en-US" altLang="ja-JP" dirty="0"/>
+          </a:p>
+          <a:p>
+            <a:pPr marL="0" indent="0">
+              <a:buNone/>
+            </a:pPr>
+            <a:br>
+              <a:rPr lang="en-US" altLang="ja-JP" dirty="0"/>
+            </a:br>
+            <a:br>
+              <a:rPr lang="en-US" altLang="ja-JP" dirty="0"/>
+            </a:br>
+            <a:br>
+              <a:rPr lang="en-US" altLang="ja-JP" dirty="0"/>
+            </a:br>
+            <a:br>
+              <a:rPr lang="en-US" altLang="ja-JP" sz="2400" dirty="0"/>
+            </a:br>
+            <a:br>
+              <a:rPr lang="en-US" altLang="ja-JP" sz="2400" dirty="0"/>
+            </a:br>
+            <a:endParaRPr lang="en-US" altLang="ja-JP" sz="2400" dirty="0"/>
+          </a:p>
+          <a:p>
+            <a:pPr marL="0" indent="0">
+              <a:buNone/>
+            </a:pPr>
+            <a:br>
+              <a:rPr lang="en-US" altLang="ja-JP" sz="2400" dirty="0"/>
+            </a:br>
+            <a:endParaRPr lang="en-US" altLang="ja-JP" dirty="0">
+              <a:solidFill>
+                <a:srgbClr val="FF0000"/>
+              </a:solidFill>
+            </a:endParaRPr>
+          </a:p>
+        </p:txBody>
+      </p:sp>
+      <p:sp>
+        <p:nvSpPr>
+          <p:cNvPr id="5" name="テキスト ボックス 4">
+            <a:extLst>
+              <a:ext uri="{FF2B5EF4-FFF2-40B4-BE49-F238E27FC236}">
+                <a16:creationId xmlns:a16="http://schemas.microsoft.com/office/drawing/2014/main" id="{9E32883C-0E37-4F07-9861-27609819CE8C}"/>
+              </a:ext>
+            </a:extLst>
+          </p:cNvPr>
+          <p:cNvSpPr txBox="1"/>
+          <p:nvPr/>
+        </p:nvSpPr>
+        <p:spPr>
+          <a:xfrm>
+            <a:off x="1048255" y="1942532"/>
+            <a:ext cx="10688220" cy="2554545"/>
+          </a:xfrm>
+          <a:prstGeom prst="rect">
+            <a:avLst/>
+          </a:prstGeom>
+          <a:noFill/>
+          <a:ln>
+            <a:solidFill>
+              <a:schemeClr val="tx1"/>
+            </a:solidFill>
+          </a:ln>
+        </p:spPr>
+        <p:txBody>
+          <a:bodyPr wrap="square" rtlCol="0">
+            <a:spAutoFit/>
+          </a:bodyPr>
+          <a:lstStyle/>
+          <a:p>
+            <a:r>
+              <a:rPr kumimoji="1" lang="en-US" altLang="ja-JP" sz="3200" dirty="0"/>
+              <a:t>  </a:t>
+            </a:r>
+            <a:r>
+              <a:rPr kumimoji="1" lang="en-US" altLang="ja-JP" sz="3200" dirty="0" err="1"/>
+              <a:t>cout</a:t>
+            </a:r>
+            <a:r>
+              <a:rPr kumimoji="1" lang="en-US" altLang="ja-JP" sz="3200" dirty="0"/>
+              <a:t> &lt;&lt; “v=(“ &lt;&lt; </a:t>
+            </a:r>
+            <a:r>
+              <a:rPr kumimoji="1" lang="en-US" altLang="ja-JP" sz="3200" dirty="0" err="1">
+                <a:solidFill>
+                  <a:srgbClr val="FF0000"/>
+                </a:solidFill>
+              </a:rPr>
+              <a:t>v</a:t>
+            </a:r>
+            <a:r>
+              <a:rPr kumimoji="1" lang="en-US" altLang="ja-JP" sz="3200" dirty="0" err="1"/>
+              <a:t>.x</a:t>
+            </a:r>
+            <a:r>
+              <a:rPr kumimoji="1" lang="en-US" altLang="ja-JP" sz="3200" dirty="0"/>
+              <a:t> &lt;&lt; “,” &lt;&lt; </a:t>
+            </a:r>
+            <a:r>
+              <a:rPr kumimoji="1" lang="en-US" altLang="ja-JP" sz="3200" dirty="0" err="1">
+                <a:solidFill>
+                  <a:srgbClr val="FF0000"/>
+                </a:solidFill>
+              </a:rPr>
+              <a:t>v</a:t>
+            </a:r>
+            <a:r>
+              <a:rPr kumimoji="1" lang="en-US" altLang="ja-JP" sz="3200" dirty="0" err="1"/>
+              <a:t>.y</a:t>
+            </a:r>
+            <a:r>
+              <a:rPr kumimoji="1" lang="en-US" altLang="ja-JP" sz="3200" dirty="0"/>
+              <a:t> </a:t>
+            </a:r>
+            <a:br>
+              <a:rPr kumimoji="1" lang="en-US" altLang="ja-JP" sz="3200" dirty="0"/>
+            </a:br>
+            <a:r>
+              <a:rPr kumimoji="1" lang="en-US" altLang="ja-JP" sz="3200" dirty="0"/>
+              <a:t>       &lt;&lt; “)” &lt;&lt; </a:t>
+            </a:r>
+            <a:r>
+              <a:rPr kumimoji="1" lang="en-US" altLang="ja-JP" sz="3200" dirty="0" err="1"/>
+              <a:t>endl</a:t>
+            </a:r>
+            <a:r>
+              <a:rPr kumimoji="1" lang="en-US" altLang="ja-JP" sz="3200" dirty="0"/>
+              <a:t>;</a:t>
+            </a:r>
+            <a:br>
+              <a:rPr kumimoji="1" lang="en-US" altLang="ja-JP" sz="3200" dirty="0"/>
+            </a:br>
+            <a:r>
+              <a:rPr kumimoji="1" lang="en-US" altLang="ja-JP" sz="3200" dirty="0"/>
+              <a:t>  </a:t>
+            </a:r>
+            <a:r>
+              <a:rPr kumimoji="1" lang="en-US" altLang="ja-JP" sz="3200" dirty="0" err="1"/>
+              <a:t>cout</a:t>
+            </a:r>
+            <a:r>
+              <a:rPr kumimoji="1" lang="en-US" altLang="ja-JP" sz="3200" dirty="0"/>
+              <a:t> &lt;&lt; “v</a:t>
+            </a:r>
+            <a:r>
+              <a:rPr kumimoji="1" lang="ja-JP" altLang="en-US" sz="3200" dirty="0"/>
+              <a:t>の長さ</a:t>
+            </a:r>
+            <a:r>
+              <a:rPr kumimoji="1" lang="en-US" altLang="ja-JP" sz="3200" dirty="0"/>
+              <a:t>:“ </a:t>
+            </a:r>
+            <a:r>
+              <a:rPr kumimoji="1" lang="en-US" altLang="ja-JP" sz="3200" dirty="0" err="1">
+                <a:solidFill>
+                  <a:srgbClr val="FF0000"/>
+                </a:solidFill>
+              </a:rPr>
+              <a:t>v</a:t>
+            </a:r>
+            <a:r>
+              <a:rPr kumimoji="1" lang="en-US" altLang="ja-JP" sz="3200" dirty="0" err="1"/>
+              <a:t>.length</a:t>
+            </a:r>
+            <a:r>
+              <a:rPr kumimoji="1" lang="en-US" altLang="ja-JP" sz="3200" dirty="0"/>
+              <a:t>() &lt;&lt; </a:t>
+            </a:r>
+            <a:r>
+              <a:rPr kumimoji="1" lang="en-US" altLang="ja-JP" sz="3200" dirty="0" err="1"/>
+              <a:t>endl</a:t>
+            </a:r>
+            <a:r>
+              <a:rPr kumimoji="1" lang="en-US" altLang="ja-JP" sz="3200" dirty="0"/>
+              <a:t>;</a:t>
+            </a:r>
+            <a:br>
+              <a:rPr kumimoji="1" lang="en-US" altLang="ja-JP" sz="3200" dirty="0"/>
+            </a:br>
+            <a:r>
+              <a:rPr kumimoji="1" lang="en-US" altLang="ja-JP" sz="3200" dirty="0"/>
+              <a:t>  return 0;</a:t>
+            </a:r>
+          </a:p>
+          <a:p>
+            <a:r>
+              <a:rPr kumimoji="1" lang="en-US" altLang="ja-JP" sz="3200" dirty="0"/>
+              <a:t>}</a:t>
+            </a:r>
+          </a:p>
+        </p:txBody>
+      </p:sp>
+      <p:sp>
+        <p:nvSpPr>
+          <p:cNvPr id="9" name="タイトル 1">
+            <a:extLst>
+              <a:ext uri="{FF2B5EF4-FFF2-40B4-BE49-F238E27FC236}">
+                <a16:creationId xmlns:a16="http://schemas.microsoft.com/office/drawing/2014/main" id="{D6AA7204-D9BE-403A-AD95-E47ABFABF31A}"/>
+              </a:ext>
+            </a:extLst>
+          </p:cNvPr>
+          <p:cNvSpPr>
+            <a:spLocks noGrp="1"/>
+          </p:cNvSpPr>
+          <p:nvPr>
+            <p:ph type="title"/>
+          </p:nvPr>
+        </p:nvSpPr>
+        <p:spPr>
+          <a:xfrm>
+            <a:off x="838200" y="365126"/>
+            <a:ext cx="10515600" cy="797850"/>
+          </a:xfrm>
+        </p:spPr>
+        <p:txBody>
+          <a:bodyPr/>
+          <a:lstStyle/>
+          <a:p>
+            <a:r>
+              <a:rPr kumimoji="1" lang="ja-JP" altLang="en-US" dirty="0"/>
+              <a:t>クラスの例</a:t>
+            </a:r>
+            <a:r>
+              <a:rPr lang="ja-JP" altLang="en-US" dirty="0"/>
+              <a:t>（</a:t>
+            </a:r>
+            <a:r>
+              <a:rPr lang="en-US" altLang="ja-JP" dirty="0"/>
+              <a:t>Vector2D</a:t>
+            </a:r>
+            <a:r>
+              <a:rPr lang="ja-JP" altLang="en-US" dirty="0"/>
+              <a:t>）</a:t>
+            </a:r>
+            <a:endParaRPr kumimoji="1" lang="ja-JP" altLang="en-US" dirty="0"/>
+          </a:p>
+        </p:txBody>
+      </p:sp>
+    </p:spTree>
+    <p:extLst>
+      <p:ext uri="{BB962C8B-B14F-4D97-AF65-F5344CB8AC3E}">
+        <p14:creationId xmlns:p14="http://schemas.microsoft.com/office/powerpoint/2010/main" val="1178778709"/>
       </p:ext>
     </p:extLst>
   </p:cSld>
